--- a/フローチャート.pptx
+++ b/フローチャート.pptx
@@ -4738,755 +4738,33 @@
           <a:chExt cx="0" cy="0"/>
         </a:xfrm>
       </p:grpSpPr>
-      <p:grpSp>
-        <p:nvGrpSpPr>
-          <p:cNvPr id="29" name="组合 28"/>
-          <p:cNvGrpSpPr/>
+      <p:pic>
+        <p:nvPicPr>
+          <p:cNvPr id="2" name="图片 1" descr="1"/>
+          <p:cNvPicPr>
+            <a:picLocks noChangeAspect="1"/>
+          </p:cNvPicPr>
           <p:nvPr/>
-        </p:nvGrpSpPr>
-        <p:grpSpPr>
+        </p:nvPicPr>
+        <p:blipFill>
+          <a:blip r:embed="rId1"/>
+          <a:stretch>
+            <a:fillRect/>
+          </a:stretch>
+        </p:blipFill>
+        <p:spPr>
           <a:xfrm>
-            <a:off x="5281295" y="605155"/>
-            <a:ext cx="1629410" cy="5648960"/>
-            <a:chOff x="8317" y="1028"/>
-            <a:chExt cx="2566" cy="8896"/>
+            <a:off x="5273040" y="597535"/>
+            <a:ext cx="1645920" cy="5662930"/>
           </a:xfrm>
-        </p:grpSpPr>
-        <p:sp>
-          <p:nvSpPr>
-            <p:cNvPr id="8" name="矩形 7"/>
-            <p:cNvSpPr/>
-            <p:nvPr/>
-          </p:nvSpPr>
-          <p:spPr>
-            <a:xfrm>
-              <a:off x="8317" y="2386"/>
-              <a:ext cx="2566" cy="680"/>
-            </a:xfrm>
-            <a:prstGeom prst="rect">
-              <a:avLst/>
-            </a:prstGeom>
-            <a:solidFill>
-              <a:schemeClr val="bg1"/>
-            </a:solidFill>
-            <a:ln>
-              <a:solidFill>
-                <a:schemeClr val="tx1"/>
-              </a:solidFill>
-            </a:ln>
-          </p:spPr>
-          <p:style>
-            <a:lnRef idx="2">
-              <a:schemeClr val="accent1">
-                <a:shade val="50000"/>
-              </a:schemeClr>
-            </a:lnRef>
-            <a:fillRef idx="1">
-              <a:schemeClr val="accent1"/>
-            </a:fillRef>
-            <a:effectRef idx="0">
-              <a:schemeClr val="accent1"/>
-            </a:effectRef>
-            <a:fontRef idx="minor">
-              <a:schemeClr val="lt1"/>
-            </a:fontRef>
-          </p:style>
-          <p:txBody>
-            <a:bodyPr rtlCol="0" anchor="ctr"/>
-            <a:p>
-              <a:pPr algn="ctr"/>
-              <a:r>
-                <a:rPr lang="ja-JP" altLang="en-US">
-                  <a:solidFill>
-                    <a:schemeClr val="tx1"/>
-                  </a:solidFill>
-                </a:rPr>
-                <a:t>入力１</a:t>
-              </a:r>
-              <a:endParaRPr lang="ja-JP" altLang="en-US">
-                <a:solidFill>
-                  <a:schemeClr val="tx1"/>
-                </a:solidFill>
-              </a:endParaRPr>
-            </a:p>
-          </p:txBody>
-        </p:sp>
-        <p:sp>
-          <p:nvSpPr>
-            <p:cNvPr id="9" name="矩形 8"/>
-            <p:cNvSpPr/>
-            <p:nvPr/>
-          </p:nvSpPr>
-          <p:spPr>
-            <a:xfrm>
-              <a:off x="8317" y="3753"/>
-              <a:ext cx="2566" cy="680"/>
-            </a:xfrm>
-            <a:prstGeom prst="rect">
-              <a:avLst/>
-            </a:prstGeom>
-            <a:solidFill>
-              <a:schemeClr val="bg1"/>
-            </a:solidFill>
-            <a:ln>
-              <a:solidFill>
-                <a:schemeClr val="tx1"/>
-              </a:solidFill>
-            </a:ln>
-          </p:spPr>
-          <p:style>
-            <a:lnRef idx="2">
-              <a:schemeClr val="accent1">
-                <a:shade val="50000"/>
-              </a:schemeClr>
-            </a:lnRef>
-            <a:fillRef idx="1">
-              <a:schemeClr val="accent1"/>
-            </a:fillRef>
-            <a:effectRef idx="0">
-              <a:schemeClr val="accent1"/>
-            </a:effectRef>
-            <a:fontRef idx="minor">
-              <a:schemeClr val="lt1"/>
-            </a:fontRef>
-          </p:style>
-          <p:txBody>
-            <a:bodyPr rtlCol="0" anchor="ctr"/>
-            <a:p>
-              <a:pPr algn="ctr"/>
-              <a:r>
-                <a:rPr lang="ja-JP" altLang="en-US">
-                  <a:solidFill>
-                    <a:schemeClr val="tx1"/>
-                  </a:solidFill>
-                </a:rPr>
-                <a:t>入力２</a:t>
-              </a:r>
-              <a:endParaRPr lang="ja-JP" altLang="en-US">
-                <a:solidFill>
-                  <a:schemeClr val="tx1"/>
-                </a:solidFill>
-              </a:endParaRPr>
-            </a:p>
-          </p:txBody>
-        </p:sp>
-        <p:sp>
-          <p:nvSpPr>
-            <p:cNvPr id="11" name="矩形 10"/>
-            <p:cNvSpPr/>
-            <p:nvPr/>
-          </p:nvSpPr>
-          <p:spPr>
-            <a:xfrm>
-              <a:off x="8317" y="5135"/>
-              <a:ext cx="2566" cy="680"/>
-            </a:xfrm>
-            <a:prstGeom prst="rect">
-              <a:avLst/>
-            </a:prstGeom>
-            <a:solidFill>
-              <a:schemeClr val="bg1"/>
-            </a:solidFill>
-            <a:ln>
-              <a:solidFill>
-                <a:schemeClr val="tx1"/>
-              </a:solidFill>
-            </a:ln>
-          </p:spPr>
-          <p:style>
-            <a:lnRef idx="2">
-              <a:schemeClr val="accent1">
-                <a:shade val="50000"/>
-              </a:schemeClr>
-            </a:lnRef>
-            <a:fillRef idx="1">
-              <a:schemeClr val="accent1"/>
-            </a:fillRef>
-            <a:effectRef idx="0">
-              <a:schemeClr val="accent1"/>
-            </a:effectRef>
-            <a:fontRef idx="minor">
-              <a:schemeClr val="lt1"/>
-            </a:fontRef>
-          </p:style>
-          <p:txBody>
-            <a:bodyPr rtlCol="0" anchor="ctr"/>
-            <a:p>
-              <a:pPr algn="ctr"/>
-              <a:r>
-                <a:rPr lang="ja-JP" altLang="en-US">
-                  <a:solidFill>
-                    <a:schemeClr val="tx1"/>
-                  </a:solidFill>
-                </a:rPr>
-                <a:t>入力３</a:t>
-              </a:r>
-              <a:endParaRPr lang="ja-JP" altLang="en-US">
-                <a:solidFill>
-                  <a:schemeClr val="tx1"/>
-                </a:solidFill>
-              </a:endParaRPr>
-            </a:p>
-          </p:txBody>
-        </p:sp>
-        <p:sp>
-          <p:nvSpPr>
-            <p:cNvPr id="12" name="矩形 11"/>
-            <p:cNvSpPr/>
-            <p:nvPr/>
-          </p:nvSpPr>
-          <p:spPr>
-            <a:xfrm>
-              <a:off x="8317" y="7900"/>
-              <a:ext cx="2566" cy="680"/>
-            </a:xfrm>
-            <a:prstGeom prst="rect">
-              <a:avLst/>
-            </a:prstGeom>
-            <a:solidFill>
-              <a:schemeClr val="bg1"/>
-            </a:solidFill>
-            <a:ln>
-              <a:solidFill>
-                <a:schemeClr val="tx1"/>
-              </a:solidFill>
-            </a:ln>
-          </p:spPr>
-          <p:style>
-            <a:lnRef idx="2">
-              <a:schemeClr val="accent1">
-                <a:shade val="50000"/>
-              </a:schemeClr>
-            </a:lnRef>
-            <a:fillRef idx="1">
-              <a:schemeClr val="accent1"/>
-            </a:fillRef>
-            <a:effectRef idx="0">
-              <a:schemeClr val="accent1"/>
-            </a:effectRef>
-            <a:fontRef idx="minor">
-              <a:schemeClr val="lt1"/>
-            </a:fontRef>
-          </p:style>
-          <p:txBody>
-            <a:bodyPr rtlCol="0" anchor="ctr"/>
-            <a:p>
-              <a:pPr algn="ctr"/>
-              <a:endParaRPr lang="ja-JP" altLang="en-US">
-                <a:solidFill>
-                  <a:schemeClr val="tx1"/>
-                </a:solidFill>
-              </a:endParaRPr>
-            </a:p>
-          </p:txBody>
-        </p:sp>
-        <p:sp>
-          <p:nvSpPr>
-            <p:cNvPr id="15" name="矩形 14"/>
-            <p:cNvSpPr/>
-            <p:nvPr/>
-          </p:nvSpPr>
-          <p:spPr>
-            <a:xfrm>
-              <a:off x="8472" y="7900"/>
-              <a:ext cx="2256" cy="680"/>
-            </a:xfrm>
-            <a:prstGeom prst="rect">
-              <a:avLst/>
-            </a:prstGeom>
-            <a:solidFill>
-              <a:schemeClr val="bg1"/>
-            </a:solidFill>
-            <a:ln>
-              <a:solidFill>
-                <a:schemeClr val="tx1"/>
-              </a:solidFill>
-            </a:ln>
-          </p:spPr>
-          <p:style>
-            <a:lnRef idx="2">
-              <a:schemeClr val="accent1">
-                <a:shade val="50000"/>
-              </a:schemeClr>
-            </a:lnRef>
-            <a:fillRef idx="1">
-              <a:schemeClr val="accent1"/>
-            </a:fillRef>
-            <a:effectRef idx="0">
-              <a:schemeClr val="accent1"/>
-            </a:effectRef>
-            <a:fontRef idx="minor">
-              <a:schemeClr val="lt1"/>
-            </a:fontRef>
-          </p:style>
-          <p:txBody>
-            <a:bodyPr rtlCol="0" anchor="ctr"/>
-            <a:p>
-              <a:pPr algn="ctr"/>
-              <a:r>
-                <a:rPr lang="ja-JP" altLang="en-US">
-                  <a:solidFill>
-                    <a:schemeClr val="tx1"/>
-                  </a:solidFill>
-                </a:rPr>
-                <a:t>accumlation</a:t>
-              </a:r>
-              <a:endParaRPr lang="ja-JP" altLang="en-US">
-                <a:solidFill>
-                  <a:schemeClr val="tx1"/>
-                </a:solidFill>
-              </a:endParaRPr>
-            </a:p>
-          </p:txBody>
-        </p:sp>
-        <p:sp>
-          <p:nvSpPr>
-            <p:cNvPr id="18" name="矩形 17"/>
-            <p:cNvSpPr/>
-            <p:nvPr/>
-          </p:nvSpPr>
-          <p:spPr>
-            <a:xfrm>
-              <a:off x="8317" y="6524"/>
-              <a:ext cx="2566" cy="680"/>
-            </a:xfrm>
-            <a:prstGeom prst="rect">
-              <a:avLst/>
-            </a:prstGeom>
-            <a:solidFill>
-              <a:schemeClr val="bg1"/>
-            </a:solidFill>
-            <a:ln>
-              <a:solidFill>
-                <a:schemeClr val="tx1"/>
-              </a:solidFill>
-            </a:ln>
-          </p:spPr>
-          <p:style>
-            <a:lnRef idx="2">
-              <a:schemeClr val="accent1">
-                <a:shade val="50000"/>
-              </a:schemeClr>
-            </a:lnRef>
-            <a:fillRef idx="1">
-              <a:schemeClr val="accent1"/>
-            </a:fillRef>
-            <a:effectRef idx="0">
-              <a:schemeClr val="accent1"/>
-            </a:effectRef>
-            <a:fontRef idx="minor">
-              <a:schemeClr val="lt1"/>
-            </a:fontRef>
-          </p:style>
-          <p:txBody>
-            <a:bodyPr rtlCol="0" anchor="ctr"/>
-            <a:p>
-              <a:pPr algn="ctr"/>
-              <a:endParaRPr lang="ja-JP" altLang="en-US">
-                <a:solidFill>
-                  <a:schemeClr val="tx1"/>
-                </a:solidFill>
-              </a:endParaRPr>
-            </a:p>
-          </p:txBody>
-        </p:sp>
-        <p:sp>
-          <p:nvSpPr>
-            <p:cNvPr id="19" name="矩形 18"/>
-            <p:cNvSpPr/>
-            <p:nvPr/>
-          </p:nvSpPr>
-          <p:spPr>
-            <a:xfrm>
-              <a:off x="8472" y="6524"/>
-              <a:ext cx="2256" cy="680"/>
-            </a:xfrm>
-            <a:prstGeom prst="rect">
-              <a:avLst/>
-            </a:prstGeom>
-            <a:solidFill>
-              <a:schemeClr val="bg1"/>
-            </a:solidFill>
-            <a:ln>
-              <a:solidFill>
-                <a:schemeClr val="tx1"/>
-              </a:solidFill>
-            </a:ln>
-          </p:spPr>
-          <p:style>
-            <a:lnRef idx="2">
-              <a:schemeClr val="accent1">
-                <a:shade val="50000"/>
-              </a:schemeClr>
-            </a:lnRef>
-            <a:fillRef idx="1">
-              <a:schemeClr val="accent1"/>
-            </a:fillRef>
-            <a:effectRef idx="0">
-              <a:schemeClr val="accent1"/>
-            </a:effectRef>
-            <a:fontRef idx="minor">
-              <a:schemeClr val="lt1"/>
-            </a:fontRef>
-          </p:style>
-          <p:txBody>
-            <a:bodyPr rtlCol="0" anchor="ctr"/>
-            <a:p>
-              <a:pPr algn="ctr"/>
-              <a:r>
-                <a:rPr lang="ja-JP" altLang="en-US">
-                  <a:solidFill>
-                    <a:schemeClr val="tx1"/>
-                  </a:solidFill>
-                </a:rPr>
-                <a:t>calculate</a:t>
-              </a:r>
-              <a:endParaRPr lang="ja-JP" altLang="en-US">
-                <a:solidFill>
-                  <a:schemeClr val="tx1"/>
-                </a:solidFill>
-              </a:endParaRPr>
-            </a:p>
-          </p:txBody>
-        </p:sp>
-        <p:sp>
-          <p:nvSpPr>
-            <p:cNvPr id="21" name="圆角矩形 20"/>
-            <p:cNvSpPr/>
-            <p:nvPr/>
-          </p:nvSpPr>
-          <p:spPr>
-            <a:xfrm>
-              <a:off x="8317" y="1028"/>
-              <a:ext cx="2566" cy="664"/>
-            </a:xfrm>
-            <a:prstGeom prst="roundRect">
-              <a:avLst/>
-            </a:prstGeom>
-            <a:solidFill>
-              <a:schemeClr val="bg1"/>
-            </a:solidFill>
-            <a:ln>
-              <a:solidFill>
-                <a:schemeClr val="tx1"/>
-              </a:solidFill>
-            </a:ln>
-          </p:spPr>
-          <p:style>
-            <a:lnRef idx="2">
-              <a:schemeClr val="accent1">
-                <a:shade val="50000"/>
-              </a:schemeClr>
-            </a:lnRef>
-            <a:fillRef idx="1">
-              <a:schemeClr val="accent1"/>
-            </a:fillRef>
-            <a:effectRef idx="0">
-              <a:schemeClr val="accent1"/>
-            </a:effectRef>
-            <a:fontRef idx="minor">
-              <a:schemeClr val="lt1"/>
-            </a:fontRef>
-          </p:style>
-          <p:txBody>
-            <a:bodyPr rtlCol="0" anchor="ctr"/>
-            <a:p>
-              <a:pPr algn="ctr"/>
-              <a:r>
-                <a:rPr lang="ja-JP" altLang="en-US">
-                  <a:solidFill>
-                    <a:schemeClr val="tx1"/>
-                  </a:solidFill>
-                </a:rPr>
-                <a:t>開始</a:t>
-              </a:r>
-              <a:endParaRPr lang="ja-JP" altLang="en-US">
-                <a:solidFill>
-                  <a:schemeClr val="tx1"/>
-                </a:solidFill>
-              </a:endParaRPr>
-            </a:p>
-          </p:txBody>
-        </p:sp>
-        <p:sp>
-          <p:nvSpPr>
-            <p:cNvPr id="22" name="圆角矩形 21"/>
-            <p:cNvSpPr/>
-            <p:nvPr/>
-          </p:nvSpPr>
-          <p:spPr>
-            <a:xfrm>
-              <a:off x="8317" y="9260"/>
-              <a:ext cx="2566" cy="664"/>
-            </a:xfrm>
-            <a:prstGeom prst="roundRect">
-              <a:avLst/>
-            </a:prstGeom>
-            <a:solidFill>
-              <a:schemeClr val="bg1"/>
-            </a:solidFill>
-            <a:ln>
-              <a:solidFill>
-                <a:schemeClr val="tx1"/>
-              </a:solidFill>
-            </a:ln>
-          </p:spPr>
-          <p:style>
-            <a:lnRef idx="2">
-              <a:schemeClr val="accent1">
-                <a:shade val="50000"/>
-              </a:schemeClr>
-            </a:lnRef>
-            <a:fillRef idx="1">
-              <a:schemeClr val="accent1"/>
-            </a:fillRef>
-            <a:effectRef idx="0">
-              <a:schemeClr val="accent1"/>
-            </a:effectRef>
-            <a:fontRef idx="minor">
-              <a:schemeClr val="lt1"/>
-            </a:fontRef>
-          </p:style>
-          <p:txBody>
-            <a:bodyPr rtlCol="0" anchor="ctr"/>
-            <a:p>
-              <a:pPr algn="ctr"/>
-              <a:r>
-                <a:rPr lang="ja-JP" altLang="en-US">
-                  <a:solidFill>
-                    <a:schemeClr val="tx1"/>
-                  </a:solidFill>
-                </a:rPr>
-                <a:t>終わり</a:t>
-              </a:r>
-              <a:endParaRPr lang="ja-JP" altLang="en-US">
-                <a:solidFill>
-                  <a:schemeClr val="tx1"/>
-                </a:solidFill>
-              </a:endParaRPr>
-            </a:p>
-          </p:txBody>
-        </p:sp>
-        <p:cxnSp>
-          <p:nvCxnSpPr>
-            <p:cNvPr id="23" name="直接箭头连接符 22"/>
-            <p:cNvCxnSpPr>
-              <a:stCxn id="21" idx="2"/>
-              <a:endCxn id="8" idx="0"/>
-            </p:cNvCxnSpPr>
-            <p:nvPr/>
-          </p:nvCxnSpPr>
-          <p:spPr>
-            <a:xfrm>
-              <a:off x="9600" y="1692"/>
-              <a:ext cx="0" cy="694"/>
-            </a:xfrm>
-            <a:prstGeom prst="straightConnector1">
-              <a:avLst/>
-            </a:prstGeom>
-            <a:ln>
-              <a:tailEnd type="arrow" w="med" len="med"/>
-            </a:ln>
-          </p:spPr>
-          <p:style>
-            <a:lnRef idx="1">
-              <a:schemeClr val="dk1"/>
-            </a:lnRef>
-            <a:fillRef idx="0">
-              <a:schemeClr val="dk1"/>
-            </a:fillRef>
-            <a:effectRef idx="0">
-              <a:schemeClr val="dk1"/>
-            </a:effectRef>
-            <a:fontRef idx="minor">
-              <a:schemeClr val="tx1"/>
-            </a:fontRef>
-          </p:style>
-        </p:cxnSp>
-        <p:cxnSp>
-          <p:nvCxnSpPr>
-            <p:cNvPr id="24" name="直接箭头连接符 23"/>
-            <p:cNvCxnSpPr>
-              <a:stCxn id="8" idx="2"/>
-              <a:endCxn id="9" idx="0"/>
-            </p:cNvCxnSpPr>
-            <p:nvPr/>
-          </p:nvCxnSpPr>
-          <p:spPr>
-            <a:xfrm>
-              <a:off x="9600" y="3066"/>
-              <a:ext cx="0" cy="687"/>
-            </a:xfrm>
-            <a:prstGeom prst="straightConnector1">
-              <a:avLst/>
-            </a:prstGeom>
-            <a:ln>
-              <a:tailEnd type="arrow" w="med" len="med"/>
-            </a:ln>
-          </p:spPr>
-          <p:style>
-            <a:lnRef idx="1">
-              <a:schemeClr val="dk1"/>
-            </a:lnRef>
-            <a:fillRef idx="0">
-              <a:schemeClr val="dk1"/>
-            </a:fillRef>
-            <a:effectRef idx="0">
-              <a:schemeClr val="dk1"/>
-            </a:effectRef>
-            <a:fontRef idx="minor">
-              <a:schemeClr val="tx1"/>
-            </a:fontRef>
-          </p:style>
-        </p:cxnSp>
-        <p:cxnSp>
-          <p:nvCxnSpPr>
-            <p:cNvPr id="25" name="直接箭头连接符 24"/>
-            <p:cNvCxnSpPr>
-              <a:stCxn id="9" idx="2"/>
-              <a:endCxn id="11" idx="0"/>
-            </p:cNvCxnSpPr>
-            <p:nvPr/>
-          </p:nvCxnSpPr>
-          <p:spPr>
-            <a:xfrm>
-              <a:off x="9600" y="4433"/>
-              <a:ext cx="0" cy="702"/>
-            </a:xfrm>
-            <a:prstGeom prst="straightConnector1">
-              <a:avLst/>
-            </a:prstGeom>
-            <a:ln>
-              <a:tailEnd type="arrow" w="med" len="med"/>
-            </a:ln>
-          </p:spPr>
-          <p:style>
-            <a:lnRef idx="1">
-              <a:schemeClr val="dk1"/>
-            </a:lnRef>
-            <a:fillRef idx="0">
-              <a:schemeClr val="dk1"/>
-            </a:fillRef>
-            <a:effectRef idx="0">
-              <a:schemeClr val="dk1"/>
-            </a:effectRef>
-            <a:fontRef idx="minor">
-              <a:schemeClr val="tx1"/>
-            </a:fontRef>
-          </p:style>
-        </p:cxnSp>
-        <p:cxnSp>
-          <p:nvCxnSpPr>
-            <p:cNvPr id="26" name="直接箭头连接符 25"/>
-            <p:cNvCxnSpPr>
-              <a:stCxn id="11" idx="2"/>
-              <a:endCxn id="19" idx="0"/>
-            </p:cNvCxnSpPr>
-            <p:nvPr/>
-          </p:nvCxnSpPr>
-          <p:spPr>
-            <a:xfrm>
-              <a:off x="9600" y="5815"/>
-              <a:ext cx="0" cy="709"/>
-            </a:xfrm>
-            <a:prstGeom prst="straightConnector1">
-              <a:avLst/>
-            </a:prstGeom>
-            <a:ln>
-              <a:tailEnd type="arrow" w="med" len="med"/>
-            </a:ln>
-          </p:spPr>
-          <p:style>
-            <a:lnRef idx="1">
-              <a:schemeClr val="dk1"/>
-            </a:lnRef>
-            <a:fillRef idx="0">
-              <a:schemeClr val="dk1"/>
-            </a:fillRef>
-            <a:effectRef idx="0">
-              <a:schemeClr val="dk1"/>
-            </a:effectRef>
-            <a:fontRef idx="minor">
-              <a:schemeClr val="tx1"/>
-            </a:fontRef>
-          </p:style>
-        </p:cxnSp>
-        <p:cxnSp>
-          <p:nvCxnSpPr>
-            <p:cNvPr id="27" name="直接箭头连接符 26"/>
-            <p:cNvCxnSpPr>
-              <a:stCxn id="19" idx="2"/>
-              <a:endCxn id="15" idx="0"/>
-            </p:cNvCxnSpPr>
-            <p:nvPr/>
-          </p:nvCxnSpPr>
-          <p:spPr>
-            <a:xfrm>
-              <a:off x="9600" y="7204"/>
-              <a:ext cx="0" cy="696"/>
-            </a:xfrm>
-            <a:prstGeom prst="straightConnector1">
-              <a:avLst/>
-            </a:prstGeom>
-            <a:ln>
-              <a:tailEnd type="arrow" w="med" len="med"/>
-            </a:ln>
-          </p:spPr>
-          <p:style>
-            <a:lnRef idx="1">
-              <a:schemeClr val="dk1"/>
-            </a:lnRef>
-            <a:fillRef idx="0">
-              <a:schemeClr val="dk1"/>
-            </a:fillRef>
-            <a:effectRef idx="0">
-              <a:schemeClr val="dk1"/>
-            </a:effectRef>
-            <a:fontRef idx="minor">
-              <a:schemeClr val="tx1"/>
-            </a:fontRef>
-          </p:style>
-        </p:cxnSp>
-        <p:cxnSp>
-          <p:nvCxnSpPr>
-            <p:cNvPr id="28" name="直接箭头连接符 27"/>
-            <p:cNvCxnSpPr>
-              <a:stCxn id="15" idx="2"/>
-              <a:endCxn id="22" idx="0"/>
-            </p:cNvCxnSpPr>
-            <p:nvPr/>
-          </p:nvCxnSpPr>
-          <p:spPr>
-            <a:xfrm>
-              <a:off x="9600" y="8580"/>
-              <a:ext cx="0" cy="680"/>
-            </a:xfrm>
-            <a:prstGeom prst="straightConnector1">
-              <a:avLst/>
-            </a:prstGeom>
-            <a:ln>
-              <a:tailEnd type="arrow" w="med" len="med"/>
-            </a:ln>
-          </p:spPr>
-          <p:style>
-            <a:lnRef idx="1">
-              <a:schemeClr val="dk1"/>
-            </a:lnRef>
-            <a:fillRef idx="0">
-              <a:schemeClr val="dk1"/>
-            </a:fillRef>
-            <a:effectRef idx="0">
-              <a:schemeClr val="dk1"/>
-            </a:effectRef>
-            <a:fontRef idx="minor">
-              <a:schemeClr val="tx1"/>
-            </a:fontRef>
-          </p:style>
-        </p:cxnSp>
-      </p:grpSp>
+          <a:prstGeom prst="rect">
+            <a:avLst/>
+          </a:prstGeom>
+        </p:spPr>
+      </p:pic>
     </p:spTree>
     <p:custDataLst>
-      <p:tags r:id="rId1"/>
+      <p:tags r:id="rId2"/>
     </p:custDataLst>
   </p:cSld>
   <p:clrMapOvr>
@@ -5511,2339 +4789,37 @@
         <p:nvPr/>
       </p:nvGrpSpPr>
       <p:grpSpPr/>
-      <p:grpSp>
-        <p:nvGrpSpPr>
-          <p:cNvPr id="73" name="组合 72"/>
-          <p:cNvGrpSpPr/>
-          <p:nvPr/>
-        </p:nvGrpSpPr>
-        <p:grpSpPr>
+      <p:pic>
+        <p:nvPicPr>
+          <p:cNvPr id="2" name="图片 1" descr="2"/>
+          <p:cNvPicPr>
+            <a:picLocks noChangeAspect="1"/>
+          </p:cNvPicPr>
+          <p:nvPr>
+            <p:custDataLst>
+              <p:tags r:id="rId1"/>
+            </p:custDataLst>
+          </p:nvPr>
+        </p:nvPicPr>
+        <p:blipFill>
+          <a:blip r:embed="rId2"/>
+          <a:stretch>
+            <a:fillRect/>
+          </a:stretch>
+        </p:blipFill>
+        <p:spPr>
           <a:xfrm>
-            <a:off x="1847850" y="168910"/>
-            <a:ext cx="8496300" cy="6520180"/>
-            <a:chOff x="3141" y="168"/>
-            <a:chExt cx="13380" cy="10268"/>
+            <a:off x="1831975" y="149225"/>
+            <a:ext cx="8528050" cy="6559550"/>
           </a:xfrm>
-        </p:grpSpPr>
-        <p:sp>
-          <p:nvSpPr>
-            <p:cNvPr id="21" name="圆角矩形 20"/>
-            <p:cNvSpPr/>
-            <p:nvPr/>
-          </p:nvSpPr>
-          <p:spPr>
-            <a:xfrm>
-              <a:off x="3142" y="168"/>
-              <a:ext cx="3290" cy="433"/>
-            </a:xfrm>
-            <a:prstGeom prst="roundRect">
-              <a:avLst/>
-            </a:prstGeom>
-            <a:solidFill>
-              <a:schemeClr val="bg1"/>
-            </a:solidFill>
-            <a:ln>
-              <a:solidFill>
-                <a:schemeClr val="tx1"/>
-              </a:solidFill>
-            </a:ln>
-          </p:spPr>
-          <p:style>
-            <a:lnRef idx="2">
-              <a:schemeClr val="accent1">
-                <a:shade val="50000"/>
-              </a:schemeClr>
-            </a:lnRef>
-            <a:fillRef idx="1">
-              <a:schemeClr val="accent1"/>
-            </a:fillRef>
-            <a:effectRef idx="0">
-              <a:schemeClr val="accent1"/>
-            </a:effectRef>
-            <a:fontRef idx="minor">
-              <a:schemeClr val="lt1"/>
-            </a:fontRef>
-          </p:style>
-          <p:txBody>
-            <a:bodyPr rtlCol="0" anchor="ctr"/>
-            <a:p>
-              <a:pPr algn="ctr"/>
-              <a:r>
-                <a:rPr lang="ja-JP" altLang="en-US">
-                  <a:solidFill>
-                    <a:schemeClr val="tx1"/>
-                  </a:solidFill>
-                  <a:sym typeface="+mn-ea"/>
-                </a:rPr>
-                <a:t>calculate</a:t>
-              </a:r>
-              <a:r>
-                <a:rPr lang="ja-JP" altLang="en-US">
-                  <a:solidFill>
-                    <a:schemeClr val="tx1"/>
-                  </a:solidFill>
-                </a:rPr>
-                <a:t>開始</a:t>
-              </a:r>
-              <a:endParaRPr lang="ja-JP" altLang="en-US">
-                <a:solidFill>
-                  <a:schemeClr val="tx1"/>
-                </a:solidFill>
-              </a:endParaRPr>
-            </a:p>
-          </p:txBody>
-        </p:sp>
-        <p:sp>
-          <p:nvSpPr>
-            <p:cNvPr id="4" name="流程图: 决策 3"/>
-            <p:cNvSpPr/>
-            <p:nvPr/>
-          </p:nvSpPr>
-          <p:spPr>
-            <a:xfrm>
-              <a:off x="3141" y="1742"/>
-              <a:ext cx="3290" cy="1050"/>
-            </a:xfrm>
-            <a:prstGeom prst="flowChartDecision">
-              <a:avLst/>
-            </a:prstGeom>
-            <a:solidFill>
-              <a:schemeClr val="bg1"/>
-            </a:solidFill>
-            <a:ln>
-              <a:solidFill>
-                <a:schemeClr val="tx1"/>
-              </a:solidFill>
-            </a:ln>
-          </p:spPr>
-          <p:style>
-            <a:lnRef idx="2">
-              <a:schemeClr val="dk1">
-                <a:shade val="50000"/>
-              </a:schemeClr>
-            </a:lnRef>
-            <a:fillRef idx="1">
-              <a:schemeClr val="dk1"/>
-            </a:fillRef>
-            <a:effectRef idx="0">
-              <a:schemeClr val="dk1"/>
-            </a:effectRef>
-            <a:fontRef idx="minor">
-              <a:schemeClr val="lt1"/>
-            </a:fontRef>
-          </p:style>
-          <p:txBody>
-            <a:bodyPr rtlCol="0" anchor="ctr">
-              <a:scene3d>
-                <a:camera prst="orthographicFront"/>
-                <a:lightRig rig="threePt" dir="t"/>
-              </a:scene3d>
-            </a:bodyPr>
-            <a:p>
-              <a:pPr algn="ctr"/>
-              <a:r>
-                <a:rPr lang="en-US" altLang="zh-CN">
-                  <a:ln/>
-                  <a:solidFill>
-                    <a:schemeClr val="tx1"/>
-                  </a:solidFill>
-                  <a:effectLst>
-                    <a:outerShdw blurRad="38100" dist="19050" dir="2700000" algn="tl" rotWithShape="0">
-                      <a:schemeClr val="dk1">
-                        <a:alpha val="40000"/>
-                      </a:schemeClr>
-                    </a:outerShdw>
-                  </a:effectLst>
-                </a:rPr>
-                <a:t>type==</a:t>
-              </a:r>
-              <a:endParaRPr lang="en-US" altLang="zh-CN">
-                <a:ln/>
-                <a:solidFill>
-                  <a:schemeClr val="tx1"/>
-                </a:solidFill>
-                <a:effectLst>
-                  <a:outerShdw blurRad="38100" dist="19050" dir="2700000" algn="tl" rotWithShape="0">
-                    <a:schemeClr val="dk1">
-                      <a:alpha val="40000"/>
-                    </a:schemeClr>
-                  </a:outerShdw>
-                </a:effectLst>
-              </a:endParaRPr>
-            </a:p>
-            <a:p>
-              <a:pPr algn="ctr"/>
-              <a:r>
-                <a:rPr lang="en-US" altLang="zh-CN">
-                  <a:ln/>
-                  <a:solidFill>
-                    <a:schemeClr val="tx1"/>
-                  </a:solidFill>
-                  <a:effectLst>
-                    <a:outerShdw blurRad="38100" dist="19050" dir="2700000" algn="tl" rotWithShape="0">
-                      <a:schemeClr val="dk1">
-                        <a:alpha val="40000"/>
-                      </a:schemeClr>
-                    </a:outerShdw>
-                  </a:effectLst>
-                </a:rPr>
-                <a:t>"add"</a:t>
-              </a:r>
-              <a:endParaRPr lang="en-US" altLang="zh-CN">
-                <a:ln/>
-                <a:solidFill>
-                  <a:schemeClr val="tx1"/>
-                </a:solidFill>
-                <a:effectLst>
-                  <a:outerShdw blurRad="38100" dist="19050" dir="2700000" algn="tl" rotWithShape="0">
-                    <a:schemeClr val="dk1">
-                      <a:alpha val="40000"/>
-                    </a:schemeClr>
-                  </a:outerShdw>
-                </a:effectLst>
-              </a:endParaRPr>
-            </a:p>
-          </p:txBody>
-        </p:sp>
-        <p:sp>
-          <p:nvSpPr>
-            <p:cNvPr id="5" name="流程图: 决策 4"/>
-            <p:cNvSpPr/>
-            <p:nvPr/>
-          </p:nvSpPr>
-          <p:spPr>
-            <a:xfrm>
-              <a:off x="5552" y="2533"/>
-              <a:ext cx="3290" cy="1050"/>
-            </a:xfrm>
-            <a:prstGeom prst="flowChartDecision">
-              <a:avLst/>
-            </a:prstGeom>
-            <a:solidFill>
-              <a:schemeClr val="bg1"/>
-            </a:solidFill>
-            <a:ln>
-              <a:solidFill>
-                <a:schemeClr val="tx1"/>
-              </a:solidFill>
-            </a:ln>
-          </p:spPr>
-          <p:style>
-            <a:lnRef idx="2">
-              <a:schemeClr val="dk1">
-                <a:shade val="50000"/>
-              </a:schemeClr>
-            </a:lnRef>
-            <a:fillRef idx="1">
-              <a:schemeClr val="dk1"/>
-            </a:fillRef>
-            <a:effectRef idx="0">
-              <a:schemeClr val="dk1"/>
-            </a:effectRef>
-            <a:fontRef idx="minor">
-              <a:schemeClr val="lt1"/>
-            </a:fontRef>
-          </p:style>
-          <p:txBody>
-            <a:bodyPr rtlCol="0" anchor="ctr">
-              <a:scene3d>
-                <a:camera prst="orthographicFront"/>
-                <a:lightRig rig="threePt" dir="t"/>
-              </a:scene3d>
-            </a:bodyPr>
-            <a:p>
-              <a:pPr algn="ctr"/>
-              <a:r>
-                <a:rPr lang="en-US" altLang="zh-CN">
-                  <a:solidFill>
-                    <a:schemeClr val="tx1"/>
-                  </a:solidFill>
-                  <a:effectLst>
-                    <a:outerShdw blurRad="38100" dist="19050" dir="2700000" algn="tl" rotWithShape="0">
-                      <a:schemeClr val="dk1">
-                        <a:alpha val="40000"/>
-                      </a:schemeClr>
-                    </a:outerShdw>
-                  </a:effectLst>
-                </a:rPr>
-                <a:t>type==</a:t>
-              </a:r>
-              <a:endParaRPr lang="en-US" altLang="zh-CN">
-                <a:solidFill>
-                  <a:schemeClr val="tx1"/>
-                </a:solidFill>
-                <a:effectLst>
-                  <a:outerShdw blurRad="38100" dist="19050" dir="2700000" algn="tl" rotWithShape="0">
-                    <a:schemeClr val="dk1">
-                      <a:alpha val="40000"/>
-                    </a:schemeClr>
-                  </a:outerShdw>
-                </a:effectLst>
-              </a:endParaRPr>
-            </a:p>
-            <a:p>
-              <a:pPr algn="ctr"/>
-              <a:r>
-                <a:rPr lang="en-US" altLang="zh-CN">
-                  <a:solidFill>
-                    <a:schemeClr val="tx1"/>
-                  </a:solidFill>
-                  <a:effectLst>
-                    <a:outerShdw blurRad="38100" dist="19050" dir="2700000" algn="tl" rotWithShape="0">
-                      <a:schemeClr val="dk1">
-                        <a:alpha val="40000"/>
-                      </a:schemeClr>
-                    </a:outerShdw>
-                  </a:effectLst>
-                </a:rPr>
-                <a:t>"minus"</a:t>
-              </a:r>
-              <a:endParaRPr lang="en-US" altLang="zh-CN">
-                <a:solidFill>
-                  <a:schemeClr val="tx1"/>
-                </a:solidFill>
-                <a:effectLst>
-                  <a:outerShdw blurRad="38100" dist="19050" dir="2700000" algn="tl" rotWithShape="0">
-                    <a:schemeClr val="dk1">
-                      <a:alpha val="40000"/>
-                    </a:schemeClr>
-                  </a:outerShdw>
-                </a:effectLst>
-              </a:endParaRPr>
-            </a:p>
-          </p:txBody>
-        </p:sp>
-        <p:sp>
-          <p:nvSpPr>
-            <p:cNvPr id="10" name="矩形 9"/>
-            <p:cNvSpPr/>
-            <p:nvPr/>
-          </p:nvSpPr>
-          <p:spPr>
-            <a:xfrm>
-              <a:off x="3141" y="899"/>
-              <a:ext cx="3291" cy="559"/>
-            </a:xfrm>
-            <a:prstGeom prst="rect">
-              <a:avLst/>
-            </a:prstGeom>
-            <a:ln>
-              <a:solidFill>
-                <a:schemeClr val="tx1"/>
-              </a:solidFill>
-            </a:ln>
-          </p:spPr>
-          <p:style>
-            <a:lnRef idx="2">
-              <a:schemeClr val="accent6"/>
-            </a:lnRef>
-            <a:fillRef idx="1">
-              <a:schemeClr val="lt1"/>
-            </a:fillRef>
-            <a:effectRef idx="0">
-              <a:schemeClr val="accent6"/>
-            </a:effectRef>
-            <a:fontRef idx="minor">
-              <a:schemeClr val="dk1"/>
-            </a:fontRef>
-          </p:style>
-          <p:txBody>
-            <a:bodyPr rtlCol="0" anchor="ctr"/>
-            <a:p>
-              <a:pPr algn="ctr"/>
-              <a:r>
-                <a:rPr lang="ja-JP" altLang="en-US"/>
-                <a:t>初期化</a:t>
-              </a:r>
-              <a:endParaRPr lang="ja-JP" altLang="en-US"/>
-            </a:p>
-          </p:txBody>
-        </p:sp>
-        <p:sp>
-          <p:nvSpPr>
-            <p:cNvPr id="13" name="流程图: 决策 12"/>
-            <p:cNvSpPr/>
-            <p:nvPr/>
-          </p:nvSpPr>
-          <p:spPr>
-            <a:xfrm>
-              <a:off x="3141" y="1742"/>
-              <a:ext cx="3290" cy="1050"/>
-            </a:xfrm>
-            <a:prstGeom prst="flowChartDecision">
-              <a:avLst/>
-            </a:prstGeom>
-            <a:solidFill>
-              <a:schemeClr val="bg1"/>
-            </a:solidFill>
-            <a:ln>
-              <a:solidFill>
-                <a:schemeClr val="tx1"/>
-              </a:solidFill>
-            </a:ln>
-          </p:spPr>
-          <p:style>
-            <a:lnRef idx="2">
-              <a:schemeClr val="dk1">
-                <a:shade val="50000"/>
-              </a:schemeClr>
-            </a:lnRef>
-            <a:fillRef idx="1">
-              <a:schemeClr val="dk1"/>
-            </a:fillRef>
-            <a:effectRef idx="0">
-              <a:schemeClr val="dk1"/>
-            </a:effectRef>
-            <a:fontRef idx="minor">
-              <a:schemeClr val="lt1"/>
-            </a:fontRef>
-          </p:style>
-          <p:txBody>
-            <a:bodyPr rtlCol="0" anchor="ctr">
-              <a:scene3d>
-                <a:camera prst="orthographicFront"/>
-                <a:lightRig rig="threePt" dir="t"/>
-              </a:scene3d>
-            </a:bodyPr>
-            <a:p>
-              <a:pPr algn="ctr"/>
-              <a:r>
-                <a:rPr lang="en-US" altLang="zh-CN">
-                  <a:solidFill>
-                    <a:schemeClr val="tx1"/>
-                  </a:solidFill>
-                  <a:effectLst>
-                    <a:outerShdw blurRad="38100" dist="19050" dir="2700000" algn="tl" rotWithShape="0">
-                      <a:schemeClr val="dk1">
-                        <a:alpha val="40000"/>
-                      </a:schemeClr>
-                    </a:outerShdw>
-                  </a:effectLst>
-                </a:rPr>
-                <a:t>type==</a:t>
-              </a:r>
-              <a:endParaRPr lang="en-US" altLang="zh-CN">
-                <a:solidFill>
-                  <a:schemeClr val="tx1"/>
-                </a:solidFill>
-                <a:effectLst>
-                  <a:outerShdw blurRad="38100" dist="19050" dir="2700000" algn="tl" rotWithShape="0">
-                    <a:schemeClr val="dk1">
-                      <a:alpha val="40000"/>
-                    </a:schemeClr>
-                  </a:outerShdw>
-                </a:effectLst>
-              </a:endParaRPr>
-            </a:p>
-            <a:p>
-              <a:pPr algn="ctr"/>
-              <a:r>
-                <a:rPr lang="en-US" altLang="zh-CN">
-                  <a:solidFill>
-                    <a:schemeClr val="tx1"/>
-                  </a:solidFill>
-                  <a:effectLst>
-                    <a:outerShdw blurRad="38100" dist="19050" dir="2700000" algn="tl" rotWithShape="0">
-                      <a:schemeClr val="dk1">
-                        <a:alpha val="40000"/>
-                      </a:schemeClr>
-                    </a:outerShdw>
-                  </a:effectLst>
-                </a:rPr>
-                <a:t>"add"</a:t>
-              </a:r>
-              <a:endParaRPr lang="en-US" altLang="zh-CN">
-                <a:solidFill>
-                  <a:schemeClr val="tx1"/>
-                </a:solidFill>
-                <a:effectLst>
-                  <a:outerShdw blurRad="38100" dist="19050" dir="2700000" algn="tl" rotWithShape="0">
-                    <a:schemeClr val="dk1">
-                      <a:alpha val="40000"/>
-                    </a:schemeClr>
-                  </a:outerShdw>
-                </a:effectLst>
-              </a:endParaRPr>
-            </a:p>
-          </p:txBody>
-        </p:sp>
-        <p:sp>
-          <p:nvSpPr>
-            <p:cNvPr id="14" name="流程图: 决策 13"/>
-            <p:cNvSpPr/>
-            <p:nvPr/>
-          </p:nvSpPr>
-          <p:spPr>
-            <a:xfrm>
-              <a:off x="5552" y="2533"/>
-              <a:ext cx="3290" cy="1050"/>
-            </a:xfrm>
-            <a:prstGeom prst="flowChartDecision">
-              <a:avLst/>
-            </a:prstGeom>
-            <a:solidFill>
-              <a:schemeClr val="bg1"/>
-            </a:solidFill>
-            <a:ln>
-              <a:solidFill>
-                <a:schemeClr val="tx1"/>
-              </a:solidFill>
-            </a:ln>
-          </p:spPr>
-          <p:style>
-            <a:lnRef idx="2">
-              <a:schemeClr val="dk1">
-                <a:shade val="50000"/>
-              </a:schemeClr>
-            </a:lnRef>
-            <a:fillRef idx="1">
-              <a:schemeClr val="dk1"/>
-            </a:fillRef>
-            <a:effectRef idx="0">
-              <a:schemeClr val="dk1"/>
-            </a:effectRef>
-            <a:fontRef idx="minor">
-              <a:schemeClr val="lt1"/>
-            </a:fontRef>
-          </p:style>
-          <p:txBody>
-            <a:bodyPr rtlCol="0" anchor="ctr">
-              <a:scene3d>
-                <a:camera prst="orthographicFront"/>
-                <a:lightRig rig="threePt" dir="t"/>
-              </a:scene3d>
-            </a:bodyPr>
-            <a:p>
-              <a:pPr algn="ctr"/>
-              <a:r>
-                <a:rPr lang="en-US" altLang="zh-CN">
-                  <a:solidFill>
-                    <a:schemeClr val="tx1"/>
-                  </a:solidFill>
-                  <a:effectLst>
-                    <a:outerShdw blurRad="38100" dist="19050" dir="2700000" algn="tl" rotWithShape="0">
-                      <a:schemeClr val="dk1">
-                        <a:alpha val="40000"/>
-                      </a:schemeClr>
-                    </a:outerShdw>
-                  </a:effectLst>
-                </a:rPr>
-                <a:t>type==</a:t>
-              </a:r>
-              <a:endParaRPr lang="en-US" altLang="zh-CN">
-                <a:solidFill>
-                  <a:schemeClr val="tx1"/>
-                </a:solidFill>
-                <a:effectLst>
-                  <a:outerShdw blurRad="38100" dist="19050" dir="2700000" algn="tl" rotWithShape="0">
-                    <a:schemeClr val="dk1">
-                      <a:alpha val="40000"/>
-                    </a:schemeClr>
-                  </a:outerShdw>
-                </a:effectLst>
-              </a:endParaRPr>
-            </a:p>
-            <a:p>
-              <a:pPr algn="ctr"/>
-              <a:r>
-                <a:rPr lang="en-US" altLang="zh-CN">
-                  <a:solidFill>
-                    <a:schemeClr val="tx1"/>
-                  </a:solidFill>
-                  <a:effectLst>
-                    <a:outerShdw blurRad="38100" dist="19050" dir="2700000" algn="tl" rotWithShape="0">
-                      <a:schemeClr val="dk1">
-                        <a:alpha val="40000"/>
-                      </a:schemeClr>
-                    </a:outerShdw>
-                  </a:effectLst>
-                </a:rPr>
-                <a:t>"minus"</a:t>
-              </a:r>
-              <a:endParaRPr lang="en-US" altLang="zh-CN">
-                <a:solidFill>
-                  <a:schemeClr val="tx1"/>
-                </a:solidFill>
-                <a:effectLst>
-                  <a:outerShdw blurRad="38100" dist="19050" dir="2700000" algn="tl" rotWithShape="0">
-                    <a:schemeClr val="dk1">
-                      <a:alpha val="40000"/>
-                    </a:schemeClr>
-                  </a:outerShdw>
-                </a:effectLst>
-              </a:endParaRPr>
-            </a:p>
-          </p:txBody>
-        </p:sp>
-        <p:sp>
-          <p:nvSpPr>
-            <p:cNvPr id="18" name="流程图: 决策 17"/>
-            <p:cNvSpPr/>
-            <p:nvPr/>
-          </p:nvSpPr>
-          <p:spPr>
-            <a:xfrm>
-              <a:off x="7955" y="3324"/>
-              <a:ext cx="3290" cy="1050"/>
-            </a:xfrm>
-            <a:prstGeom prst="flowChartDecision">
-              <a:avLst/>
-            </a:prstGeom>
-            <a:solidFill>
-              <a:schemeClr val="bg1"/>
-            </a:solidFill>
-            <a:ln>
-              <a:solidFill>
-                <a:schemeClr val="tx1"/>
-              </a:solidFill>
-            </a:ln>
-          </p:spPr>
-          <p:style>
-            <a:lnRef idx="2">
-              <a:schemeClr val="dk1">
-                <a:shade val="50000"/>
-              </a:schemeClr>
-            </a:lnRef>
-            <a:fillRef idx="1">
-              <a:schemeClr val="dk1"/>
-            </a:fillRef>
-            <a:effectRef idx="0">
-              <a:schemeClr val="dk1"/>
-            </a:effectRef>
-            <a:fontRef idx="minor">
-              <a:schemeClr val="lt1"/>
-            </a:fontRef>
-          </p:style>
-          <p:txBody>
-            <a:bodyPr rtlCol="0" anchor="ctr">
-              <a:scene3d>
-                <a:camera prst="orthographicFront"/>
-                <a:lightRig rig="threePt" dir="t"/>
-              </a:scene3d>
-            </a:bodyPr>
-            <a:p>
-              <a:pPr algn="ctr"/>
-              <a:r>
-                <a:rPr lang="en-US" altLang="zh-CN">
-                  <a:solidFill>
-                    <a:schemeClr val="tx1"/>
-                  </a:solidFill>
-                  <a:effectLst>
-                    <a:outerShdw blurRad="38100" dist="19050" dir="2700000" algn="tl" rotWithShape="0">
-                      <a:schemeClr val="dk1">
-                        <a:alpha val="40000"/>
-                      </a:schemeClr>
-                    </a:outerShdw>
-                  </a:effectLst>
-                </a:rPr>
-                <a:t>type==</a:t>
-              </a:r>
-              <a:endParaRPr lang="en-US" altLang="zh-CN">
-                <a:solidFill>
-                  <a:schemeClr val="tx1"/>
-                </a:solidFill>
-                <a:effectLst>
-                  <a:outerShdw blurRad="38100" dist="19050" dir="2700000" algn="tl" rotWithShape="0">
-                    <a:schemeClr val="dk1">
-                      <a:alpha val="40000"/>
-                    </a:schemeClr>
-                  </a:outerShdw>
-                </a:effectLst>
-              </a:endParaRPr>
-            </a:p>
-            <a:p>
-              <a:pPr algn="ctr"/>
-              <a:r>
-                <a:rPr lang="en-US" altLang="zh-CN">
-                  <a:solidFill>
-                    <a:schemeClr val="tx1"/>
-                  </a:solidFill>
-                  <a:effectLst>
-                    <a:outerShdw blurRad="38100" dist="19050" dir="2700000" algn="tl" rotWithShape="0">
-                      <a:schemeClr val="dk1">
-                        <a:alpha val="40000"/>
-                      </a:schemeClr>
-                    </a:outerShdw>
-                  </a:effectLst>
-                </a:rPr>
-                <a:t>"plus"</a:t>
-              </a:r>
-              <a:endParaRPr lang="en-US" altLang="zh-CN">
-                <a:solidFill>
-                  <a:schemeClr val="tx1"/>
-                </a:solidFill>
-                <a:effectLst>
-                  <a:outerShdw blurRad="38100" dist="19050" dir="2700000" algn="tl" rotWithShape="0">
-                    <a:schemeClr val="dk1">
-                      <a:alpha val="40000"/>
-                    </a:schemeClr>
-                  </a:outerShdw>
-                </a:effectLst>
-              </a:endParaRPr>
-            </a:p>
-          </p:txBody>
-        </p:sp>
-        <p:sp>
-          <p:nvSpPr>
-            <p:cNvPr id="23" name="流程图: 决策 22"/>
-            <p:cNvSpPr/>
-            <p:nvPr/>
-          </p:nvSpPr>
-          <p:spPr>
-            <a:xfrm>
-              <a:off x="10358" y="4115"/>
-              <a:ext cx="3290" cy="1050"/>
-            </a:xfrm>
-            <a:prstGeom prst="flowChartDecision">
-              <a:avLst/>
-            </a:prstGeom>
-            <a:solidFill>
-              <a:schemeClr val="bg1"/>
-            </a:solidFill>
-            <a:ln>
-              <a:solidFill>
-                <a:schemeClr val="tx1"/>
-              </a:solidFill>
-            </a:ln>
-          </p:spPr>
-          <p:style>
-            <a:lnRef idx="2">
-              <a:schemeClr val="dk1">
-                <a:shade val="50000"/>
-              </a:schemeClr>
-            </a:lnRef>
-            <a:fillRef idx="1">
-              <a:schemeClr val="dk1"/>
-            </a:fillRef>
-            <a:effectRef idx="0">
-              <a:schemeClr val="dk1"/>
-            </a:effectRef>
-            <a:fontRef idx="minor">
-              <a:schemeClr val="lt1"/>
-            </a:fontRef>
-          </p:style>
-          <p:txBody>
-            <a:bodyPr rtlCol="0" anchor="ctr">
-              <a:scene3d>
-                <a:camera prst="orthographicFront"/>
-                <a:lightRig rig="threePt" dir="t"/>
-              </a:scene3d>
-            </a:bodyPr>
-            <a:p>
-              <a:pPr algn="ctr"/>
-              <a:r>
-                <a:rPr lang="en-US" altLang="zh-CN">
-                  <a:solidFill>
-                    <a:schemeClr val="tx1"/>
-                  </a:solidFill>
-                  <a:effectLst>
-                    <a:outerShdw blurRad="38100" dist="19050" dir="2700000" algn="tl" rotWithShape="0">
-                      <a:schemeClr val="dk1">
-                        <a:alpha val="40000"/>
-                      </a:schemeClr>
-                    </a:outerShdw>
-                  </a:effectLst>
-                </a:rPr>
-                <a:t>type==</a:t>
-              </a:r>
-              <a:endParaRPr lang="en-US" altLang="zh-CN">
-                <a:solidFill>
-                  <a:schemeClr val="tx1"/>
-                </a:solidFill>
-                <a:effectLst>
-                  <a:outerShdw blurRad="38100" dist="19050" dir="2700000" algn="tl" rotWithShape="0">
-                    <a:schemeClr val="dk1">
-                      <a:alpha val="40000"/>
-                    </a:schemeClr>
-                  </a:outerShdw>
-                </a:effectLst>
-              </a:endParaRPr>
-            </a:p>
-            <a:p>
-              <a:pPr algn="ctr"/>
-              <a:r>
-                <a:rPr lang="en-US" altLang="zh-CN">
-                  <a:solidFill>
-                    <a:schemeClr val="tx1"/>
-                  </a:solidFill>
-                  <a:effectLst>
-                    <a:outerShdw blurRad="38100" dist="19050" dir="2700000" algn="tl" rotWithShape="0">
-                      <a:schemeClr val="dk1">
-                        <a:alpha val="40000"/>
-                      </a:schemeClr>
-                    </a:outerShdw>
-                  </a:effectLst>
-                </a:rPr>
-                <a:t>"divise"</a:t>
-              </a:r>
-              <a:endParaRPr lang="en-US" altLang="zh-CN">
-                <a:solidFill>
-                  <a:schemeClr val="tx1"/>
-                </a:solidFill>
-                <a:effectLst>
-                  <a:outerShdw blurRad="38100" dist="19050" dir="2700000" algn="tl" rotWithShape="0">
-                    <a:schemeClr val="dk1">
-                      <a:alpha val="40000"/>
-                    </a:schemeClr>
-                  </a:outerShdw>
-                </a:effectLst>
-              </a:endParaRPr>
-            </a:p>
-          </p:txBody>
-        </p:sp>
-        <p:sp>
-          <p:nvSpPr>
-            <p:cNvPr id="24" name="流程图: 决策 23"/>
-            <p:cNvSpPr/>
-            <p:nvPr/>
-          </p:nvSpPr>
-          <p:spPr>
-            <a:xfrm>
-              <a:off x="12761" y="4906"/>
-              <a:ext cx="3290" cy="1050"/>
-            </a:xfrm>
-            <a:prstGeom prst="flowChartDecision">
-              <a:avLst/>
-            </a:prstGeom>
-            <a:solidFill>
-              <a:schemeClr val="bg1"/>
-            </a:solidFill>
-            <a:ln>
-              <a:solidFill>
-                <a:schemeClr val="tx1"/>
-              </a:solidFill>
-            </a:ln>
-          </p:spPr>
-          <p:style>
-            <a:lnRef idx="2">
-              <a:schemeClr val="dk1">
-                <a:shade val="50000"/>
-              </a:schemeClr>
-            </a:lnRef>
-            <a:fillRef idx="1">
-              <a:schemeClr val="dk1"/>
-            </a:fillRef>
-            <a:effectRef idx="0">
-              <a:schemeClr val="dk1"/>
-            </a:effectRef>
-            <a:fontRef idx="minor">
-              <a:schemeClr val="lt1"/>
-            </a:fontRef>
-          </p:style>
-          <p:txBody>
-            <a:bodyPr rtlCol="0" anchor="ctr">
-              <a:scene3d>
-                <a:camera prst="orthographicFront"/>
-                <a:lightRig rig="threePt" dir="t"/>
-              </a:scene3d>
-            </a:bodyPr>
-            <a:p>
-              <a:pPr algn="ctr"/>
-              <a:r>
-                <a:rPr lang="en-US" altLang="zh-CN">
-                  <a:solidFill>
-                    <a:schemeClr val="tx1"/>
-                  </a:solidFill>
-                  <a:effectLst>
-                    <a:outerShdw blurRad="38100" dist="19050" dir="2700000" algn="tl" rotWithShape="0">
-                      <a:schemeClr val="dk1">
-                        <a:alpha val="40000"/>
-                      </a:schemeClr>
-                    </a:outerShdw>
-                  </a:effectLst>
-                </a:rPr>
-                <a:t>type==</a:t>
-              </a:r>
-              <a:endParaRPr lang="en-US" altLang="zh-CN">
-                <a:solidFill>
-                  <a:schemeClr val="tx1"/>
-                </a:solidFill>
-                <a:effectLst>
-                  <a:outerShdw blurRad="38100" dist="19050" dir="2700000" algn="tl" rotWithShape="0">
-                    <a:schemeClr val="dk1">
-                      <a:alpha val="40000"/>
-                    </a:schemeClr>
-                  </a:outerShdw>
-                </a:effectLst>
-              </a:endParaRPr>
-            </a:p>
-            <a:p>
-              <a:pPr algn="ctr"/>
-              <a:r>
-                <a:rPr lang="en-US" altLang="zh-CN">
-                  <a:solidFill>
-                    <a:schemeClr val="tx1"/>
-                  </a:solidFill>
-                  <a:effectLst>
-                    <a:outerShdw blurRad="38100" dist="19050" dir="2700000" algn="tl" rotWithShape="0">
-                      <a:schemeClr val="dk1">
-                        <a:alpha val="40000"/>
-                      </a:schemeClr>
-                    </a:outerShdw>
-                  </a:effectLst>
-                </a:rPr>
-                <a:t>"power"</a:t>
-              </a:r>
-              <a:endParaRPr lang="en-US" altLang="zh-CN">
-                <a:solidFill>
-                  <a:schemeClr val="tx1"/>
-                </a:solidFill>
-                <a:effectLst>
-                  <a:outerShdw blurRad="38100" dist="19050" dir="2700000" algn="tl" rotWithShape="0">
-                    <a:schemeClr val="dk1">
-                      <a:alpha val="40000"/>
-                    </a:schemeClr>
-                  </a:outerShdw>
-                </a:effectLst>
-              </a:endParaRPr>
-            </a:p>
-          </p:txBody>
-        </p:sp>
-        <p:sp>
-          <p:nvSpPr>
-            <p:cNvPr id="25" name="流程图: 决策 24"/>
-            <p:cNvSpPr/>
-            <p:nvPr/>
-          </p:nvSpPr>
-          <p:spPr>
-            <a:xfrm>
-              <a:off x="12759" y="7574"/>
-              <a:ext cx="3290" cy="1050"/>
-            </a:xfrm>
-            <a:prstGeom prst="flowChartDecision">
-              <a:avLst/>
-            </a:prstGeom>
-            <a:solidFill>
-              <a:schemeClr val="bg1"/>
-            </a:solidFill>
-            <a:ln>
-              <a:solidFill>
-                <a:schemeClr val="tx1"/>
-              </a:solidFill>
-            </a:ln>
-          </p:spPr>
-          <p:style>
-            <a:lnRef idx="2">
-              <a:schemeClr val="dk1">
-                <a:shade val="50000"/>
-              </a:schemeClr>
-            </a:lnRef>
-            <a:fillRef idx="1">
-              <a:schemeClr val="dk1"/>
-            </a:fillRef>
-            <a:effectRef idx="0">
-              <a:schemeClr val="dk1"/>
-            </a:effectRef>
-            <a:fontRef idx="minor">
-              <a:schemeClr val="lt1"/>
-            </a:fontRef>
-          </p:style>
-          <p:txBody>
-            <a:bodyPr rtlCol="0" anchor="ctr">
-              <a:scene3d>
-                <a:camera prst="orthographicFront"/>
-                <a:lightRig rig="threePt" dir="t"/>
-              </a:scene3d>
-            </a:bodyPr>
-            <a:p>
-              <a:pPr algn="ctr"/>
-              <a:r>
-                <a:rPr lang="en-US" altLang="zh-CN">
-                  <a:solidFill>
-                    <a:schemeClr val="tx1"/>
-                  </a:solidFill>
-                  <a:effectLst>
-                    <a:outerShdw blurRad="38100" dist="19050" dir="2700000" algn="tl" rotWithShape="0">
-                      <a:schemeClr val="dk1">
-                        <a:alpha val="40000"/>
-                      </a:schemeClr>
-                    </a:outerShdw>
-                  </a:effectLst>
-                </a:rPr>
-                <a:t>type==</a:t>
-              </a:r>
-              <a:endParaRPr lang="en-US" altLang="zh-CN">
-                <a:solidFill>
-                  <a:schemeClr val="tx1"/>
-                </a:solidFill>
-                <a:effectLst>
-                  <a:outerShdw blurRad="38100" dist="19050" dir="2700000" algn="tl" rotWithShape="0">
-                    <a:schemeClr val="dk1">
-                      <a:alpha val="40000"/>
-                    </a:schemeClr>
-                  </a:outerShdw>
-                </a:effectLst>
-              </a:endParaRPr>
-            </a:p>
-            <a:p>
-              <a:pPr algn="ctr"/>
-              <a:r>
-                <a:rPr lang="en-US" altLang="zh-CN">
-                  <a:solidFill>
-                    <a:schemeClr val="tx1"/>
-                  </a:solidFill>
-                  <a:effectLst>
-                    <a:outerShdw blurRad="38100" dist="19050" dir="2700000" algn="tl" rotWithShape="0">
-                      <a:schemeClr val="dk1">
-                        <a:alpha val="40000"/>
-                      </a:schemeClr>
-                    </a:outerShdw>
-                  </a:effectLst>
-                </a:rPr>
-                <a:t>""</a:t>
-              </a:r>
-              <a:endParaRPr lang="en-US" altLang="zh-CN">
-                <a:solidFill>
-                  <a:schemeClr val="tx1"/>
-                </a:solidFill>
-                <a:effectLst>
-                  <a:outerShdw blurRad="38100" dist="19050" dir="2700000" algn="tl" rotWithShape="0">
-                    <a:schemeClr val="dk1">
-                      <a:alpha val="40000"/>
-                    </a:schemeClr>
-                  </a:outerShdw>
-                </a:effectLst>
-              </a:endParaRPr>
-            </a:p>
-          </p:txBody>
-        </p:sp>
-        <p:sp>
-          <p:nvSpPr>
-            <p:cNvPr id="26" name="矩形 25"/>
-            <p:cNvSpPr/>
-            <p:nvPr/>
-          </p:nvSpPr>
-          <p:spPr>
-            <a:xfrm>
-              <a:off x="12758" y="9035"/>
-              <a:ext cx="3291" cy="559"/>
-            </a:xfrm>
-            <a:prstGeom prst="rect">
-              <a:avLst/>
-            </a:prstGeom>
-            <a:ln>
-              <a:solidFill>
-                <a:schemeClr val="tx1"/>
-              </a:solidFill>
-            </a:ln>
-          </p:spPr>
-          <p:style>
-            <a:lnRef idx="2">
-              <a:schemeClr val="accent6"/>
-            </a:lnRef>
-            <a:fillRef idx="1">
-              <a:schemeClr val="lt1"/>
-            </a:fillRef>
-            <a:effectRef idx="0">
-              <a:schemeClr val="accent6"/>
-            </a:effectRef>
-            <a:fontRef idx="minor">
-              <a:schemeClr val="dk1"/>
-            </a:fontRef>
-          </p:style>
-          <p:txBody>
-            <a:bodyPr rtlCol="0" anchor="ctr"/>
-            <a:p>
-              <a:pPr algn="ctr"/>
-              <a:r>
-                <a:rPr lang="en-US" altLang="zh-CN"/>
-                <a:t>result</a:t>
-              </a:r>
-              <a:r>
-                <a:rPr lang="ja-JP" altLang="en-US"/>
-                <a:t>出力</a:t>
-              </a:r>
-              <a:endParaRPr lang="ja-JP" altLang="en-US"/>
-            </a:p>
-          </p:txBody>
-        </p:sp>
-        <p:sp>
-          <p:nvSpPr>
-            <p:cNvPr id="27" name="圆角矩形 26"/>
-            <p:cNvSpPr/>
-            <p:nvPr/>
-          </p:nvSpPr>
-          <p:spPr>
-            <a:xfrm>
-              <a:off x="12760" y="10006"/>
-              <a:ext cx="3290" cy="431"/>
-            </a:xfrm>
-            <a:prstGeom prst="roundRect">
-              <a:avLst/>
-            </a:prstGeom>
-            <a:solidFill>
-              <a:schemeClr val="bg1"/>
-            </a:solidFill>
-            <a:ln>
-              <a:solidFill>
-                <a:schemeClr val="tx1"/>
-              </a:solidFill>
-            </a:ln>
-          </p:spPr>
-          <p:style>
-            <a:lnRef idx="2">
-              <a:schemeClr val="accent1">
-                <a:shade val="50000"/>
-              </a:schemeClr>
-            </a:lnRef>
-            <a:fillRef idx="1">
-              <a:schemeClr val="accent1"/>
-            </a:fillRef>
-            <a:effectRef idx="0">
-              <a:schemeClr val="accent1"/>
-            </a:effectRef>
-            <a:fontRef idx="minor">
-              <a:schemeClr val="lt1"/>
-            </a:fontRef>
-          </p:style>
-          <p:txBody>
-            <a:bodyPr rtlCol="0" anchor="ctr"/>
-            <a:p>
-              <a:pPr algn="ctr"/>
-              <a:r>
-                <a:rPr lang="ja-JP" altLang="en-US">
-                  <a:solidFill>
-                    <a:schemeClr val="tx1"/>
-                  </a:solidFill>
-                  <a:sym typeface="+mn-ea"/>
-                </a:rPr>
-                <a:t>calculateおわり</a:t>
-              </a:r>
-              <a:endParaRPr lang="ja-JP" altLang="en-US">
-                <a:solidFill>
-                  <a:schemeClr val="tx1"/>
-                </a:solidFill>
-                <a:sym typeface="+mn-ea"/>
-              </a:endParaRPr>
-            </a:p>
-          </p:txBody>
-        </p:sp>
-        <p:cxnSp>
-          <p:nvCxnSpPr>
-            <p:cNvPr id="28" name="直接箭头连接符 27"/>
-            <p:cNvCxnSpPr>
-              <a:stCxn id="21" idx="2"/>
-              <a:endCxn id="10" idx="0"/>
-            </p:cNvCxnSpPr>
-            <p:nvPr/>
-          </p:nvCxnSpPr>
-          <p:spPr>
-            <a:xfrm>
-              <a:off x="4787" y="601"/>
-              <a:ext cx="0" cy="298"/>
-            </a:xfrm>
-            <a:prstGeom prst="straightConnector1">
-              <a:avLst/>
-            </a:prstGeom>
-            <a:ln>
-              <a:tailEnd type="arrow" w="med" len="med"/>
-            </a:ln>
-          </p:spPr>
-          <p:style>
-            <a:lnRef idx="1">
-              <a:schemeClr val="dk1"/>
-            </a:lnRef>
-            <a:fillRef idx="0">
-              <a:schemeClr val="dk1"/>
-            </a:fillRef>
-            <a:effectRef idx="0">
-              <a:schemeClr val="dk1"/>
-            </a:effectRef>
-            <a:fontRef idx="minor">
-              <a:schemeClr val="tx1"/>
-            </a:fontRef>
-          </p:style>
-        </p:cxnSp>
-        <p:cxnSp>
-          <p:nvCxnSpPr>
-            <p:cNvPr id="29" name="直接箭头连接符 28"/>
-            <p:cNvCxnSpPr>
-              <a:stCxn id="10" idx="2"/>
-              <a:endCxn id="13" idx="0"/>
-            </p:cNvCxnSpPr>
-            <p:nvPr/>
-          </p:nvCxnSpPr>
-          <p:spPr>
-            <a:xfrm flipH="1">
-              <a:off x="4786" y="1458"/>
-              <a:ext cx="1" cy="284"/>
-            </a:xfrm>
-            <a:prstGeom prst="straightConnector1">
-              <a:avLst/>
-            </a:prstGeom>
-            <a:ln>
-              <a:tailEnd type="arrow" w="med" len="med"/>
-            </a:ln>
-          </p:spPr>
-          <p:style>
-            <a:lnRef idx="1">
-              <a:schemeClr val="dk1"/>
-            </a:lnRef>
-            <a:fillRef idx="0">
-              <a:schemeClr val="dk1"/>
-            </a:fillRef>
-            <a:effectRef idx="0">
-              <a:schemeClr val="dk1"/>
-            </a:effectRef>
-            <a:fontRef idx="minor">
-              <a:schemeClr val="tx1"/>
-            </a:fontRef>
-          </p:style>
-        </p:cxnSp>
-        <p:sp>
-          <p:nvSpPr>
-            <p:cNvPr id="32" name="矩形 31"/>
-            <p:cNvSpPr/>
-            <p:nvPr/>
-          </p:nvSpPr>
-          <p:spPr>
-            <a:xfrm>
-              <a:off x="3142" y="3433"/>
-              <a:ext cx="3291" cy="559"/>
-            </a:xfrm>
-            <a:prstGeom prst="rect">
-              <a:avLst/>
-            </a:prstGeom>
-            <a:ln>
-              <a:solidFill>
-                <a:schemeClr val="tx1"/>
-              </a:solidFill>
-            </a:ln>
-          </p:spPr>
-          <p:style>
-            <a:lnRef idx="2">
-              <a:schemeClr val="accent6"/>
-            </a:lnRef>
-            <a:fillRef idx="1">
-              <a:schemeClr val="lt1"/>
-            </a:fillRef>
-            <a:effectRef idx="0">
-              <a:schemeClr val="accent6"/>
-            </a:effectRef>
-            <a:fontRef idx="minor">
-              <a:schemeClr val="dk1"/>
-            </a:fontRef>
-          </p:style>
-          <p:txBody>
-            <a:bodyPr rtlCol="0" anchor="ctr"/>
-            <a:p>
-              <a:pPr algn="ctr"/>
-              <a:r>
-                <a:rPr lang="ja-JP" altLang="en-US"/>
-                <a:t>加算</a:t>
-              </a:r>
-              <a:endParaRPr lang="ja-JP" altLang="en-US"/>
-            </a:p>
-          </p:txBody>
-        </p:sp>
-        <p:sp>
-          <p:nvSpPr>
-            <p:cNvPr id="33" name="矩形 32"/>
-            <p:cNvSpPr/>
-            <p:nvPr/>
-          </p:nvSpPr>
-          <p:spPr>
-            <a:xfrm>
-              <a:off x="5552" y="4223"/>
-              <a:ext cx="3291" cy="559"/>
-            </a:xfrm>
-            <a:prstGeom prst="rect">
-              <a:avLst/>
-            </a:prstGeom>
-            <a:ln>
-              <a:solidFill>
-                <a:schemeClr val="tx1"/>
-              </a:solidFill>
-            </a:ln>
-          </p:spPr>
-          <p:style>
-            <a:lnRef idx="2">
-              <a:schemeClr val="accent6"/>
-            </a:lnRef>
-            <a:fillRef idx="1">
-              <a:schemeClr val="lt1"/>
-            </a:fillRef>
-            <a:effectRef idx="0">
-              <a:schemeClr val="accent6"/>
-            </a:effectRef>
-            <a:fontRef idx="minor">
-              <a:schemeClr val="dk1"/>
-            </a:fontRef>
-          </p:style>
-          <p:txBody>
-            <a:bodyPr rtlCol="0" anchor="ctr"/>
-            <a:p>
-              <a:pPr algn="ctr"/>
-              <a:r>
-                <a:rPr lang="ja-JP" altLang="en-US"/>
-                <a:t>引き算</a:t>
-              </a:r>
-              <a:endParaRPr lang="ja-JP" altLang="en-US"/>
-            </a:p>
-          </p:txBody>
-        </p:sp>
-        <p:sp>
-          <p:nvSpPr>
-            <p:cNvPr id="34" name="矩形 33"/>
-            <p:cNvSpPr/>
-            <p:nvPr/>
-          </p:nvSpPr>
-          <p:spPr>
-            <a:xfrm>
-              <a:off x="7955" y="5009"/>
-              <a:ext cx="3291" cy="559"/>
-            </a:xfrm>
-            <a:prstGeom prst="rect">
-              <a:avLst/>
-            </a:prstGeom>
-            <a:ln>
-              <a:solidFill>
-                <a:schemeClr val="tx1"/>
-              </a:solidFill>
-            </a:ln>
-          </p:spPr>
-          <p:style>
-            <a:lnRef idx="2">
-              <a:schemeClr val="accent6"/>
-            </a:lnRef>
-            <a:fillRef idx="1">
-              <a:schemeClr val="lt1"/>
-            </a:fillRef>
-            <a:effectRef idx="0">
-              <a:schemeClr val="accent6"/>
-            </a:effectRef>
-            <a:fontRef idx="minor">
-              <a:schemeClr val="dk1"/>
-            </a:fontRef>
-          </p:style>
-          <p:txBody>
-            <a:bodyPr rtlCol="0" anchor="ctr"/>
-            <a:p>
-              <a:pPr algn="ctr"/>
-              <a:r>
-                <a:rPr lang="ja-JP" altLang="en-US"/>
-                <a:t>掛け算</a:t>
-              </a:r>
-              <a:endParaRPr lang="ja-JP" altLang="en-US"/>
-            </a:p>
-          </p:txBody>
-        </p:sp>
-        <p:sp>
-          <p:nvSpPr>
-            <p:cNvPr id="35" name="矩形 34"/>
-            <p:cNvSpPr/>
-            <p:nvPr/>
-          </p:nvSpPr>
-          <p:spPr>
-            <a:xfrm>
-              <a:off x="10358" y="5801"/>
-              <a:ext cx="3291" cy="559"/>
-            </a:xfrm>
-            <a:prstGeom prst="rect">
-              <a:avLst/>
-            </a:prstGeom>
-            <a:ln>
-              <a:solidFill>
-                <a:schemeClr val="tx1"/>
-              </a:solidFill>
-            </a:ln>
-          </p:spPr>
-          <p:style>
-            <a:lnRef idx="2">
-              <a:schemeClr val="accent6"/>
-            </a:lnRef>
-            <a:fillRef idx="1">
-              <a:schemeClr val="lt1"/>
-            </a:fillRef>
-            <a:effectRef idx="0">
-              <a:schemeClr val="accent6"/>
-            </a:effectRef>
-            <a:fontRef idx="minor">
-              <a:schemeClr val="dk1"/>
-            </a:fontRef>
-          </p:style>
-          <p:txBody>
-            <a:bodyPr rtlCol="0" anchor="ctr"/>
-            <a:p>
-              <a:pPr algn="ctr"/>
-              <a:r>
-                <a:rPr lang="ja-JP" altLang="en-US"/>
-                <a:t>割り算</a:t>
-              </a:r>
-              <a:endParaRPr lang="ja-JP" altLang="en-US"/>
-            </a:p>
-          </p:txBody>
-        </p:sp>
-        <p:sp>
-          <p:nvSpPr>
-            <p:cNvPr id="36" name="矩形 35"/>
-            <p:cNvSpPr/>
-            <p:nvPr/>
-          </p:nvSpPr>
-          <p:spPr>
-            <a:xfrm>
-              <a:off x="12759" y="6605"/>
-              <a:ext cx="3291" cy="559"/>
-            </a:xfrm>
-            <a:prstGeom prst="rect">
-              <a:avLst/>
-            </a:prstGeom>
-            <a:ln>
-              <a:solidFill>
-                <a:schemeClr val="tx1"/>
-              </a:solidFill>
-            </a:ln>
-          </p:spPr>
-          <p:style>
-            <a:lnRef idx="2">
-              <a:schemeClr val="accent6"/>
-            </a:lnRef>
-            <a:fillRef idx="1">
-              <a:schemeClr val="lt1"/>
-            </a:fillRef>
-            <a:effectRef idx="0">
-              <a:schemeClr val="accent6"/>
-            </a:effectRef>
-            <a:fontRef idx="minor">
-              <a:schemeClr val="dk1"/>
-            </a:fontRef>
-          </p:style>
-          <p:txBody>
-            <a:bodyPr rtlCol="0" anchor="ctr"/>
-            <a:p>
-              <a:pPr algn="ctr"/>
-              <a:r>
-                <a:rPr lang="ja-JP" altLang="en-US"/>
-                <a:t>べき乗</a:t>
-              </a:r>
-              <a:endParaRPr lang="ja-JP" altLang="en-US"/>
-            </a:p>
-          </p:txBody>
-        </p:sp>
-        <p:cxnSp>
-          <p:nvCxnSpPr>
-            <p:cNvPr id="37" name="肘形连接符 36"/>
-            <p:cNvCxnSpPr>
-              <a:stCxn id="32" idx="2"/>
-              <a:endCxn id="25" idx="1"/>
-            </p:cNvCxnSpPr>
-            <p:nvPr/>
-          </p:nvCxnSpPr>
-          <p:spPr>
-            <a:xfrm rot="5400000" flipV="1">
-              <a:off x="6720" y="2060"/>
-              <a:ext cx="4107" cy="7971"/>
-            </a:xfrm>
-            <a:prstGeom prst="bentConnector2">
-              <a:avLst/>
-            </a:prstGeom>
-            <a:ln>
-              <a:tailEnd type="arrow" w="med" len="med"/>
-            </a:ln>
-          </p:spPr>
-          <p:style>
-            <a:lnRef idx="1">
-              <a:schemeClr val="dk1"/>
-            </a:lnRef>
-            <a:fillRef idx="0">
-              <a:schemeClr val="dk1"/>
-            </a:fillRef>
-            <a:effectRef idx="0">
-              <a:schemeClr val="dk1"/>
-            </a:effectRef>
-            <a:fontRef idx="minor">
-              <a:schemeClr val="tx1"/>
-            </a:fontRef>
-          </p:style>
-        </p:cxnSp>
-        <p:cxnSp>
-          <p:nvCxnSpPr>
-            <p:cNvPr id="39" name="直接箭头连接符 38"/>
-            <p:cNvCxnSpPr>
-              <a:stCxn id="13" idx="2"/>
-              <a:endCxn id="32" idx="0"/>
-            </p:cNvCxnSpPr>
-            <p:nvPr/>
-          </p:nvCxnSpPr>
-          <p:spPr>
-            <a:xfrm>
-              <a:off x="4786" y="2792"/>
-              <a:ext cx="2" cy="641"/>
-            </a:xfrm>
-            <a:prstGeom prst="straightConnector1">
-              <a:avLst/>
-            </a:prstGeom>
-            <a:ln>
-              <a:tailEnd type="arrow" w="med" len="med"/>
-            </a:ln>
-          </p:spPr>
-          <p:style>
-            <a:lnRef idx="1">
-              <a:schemeClr val="dk1"/>
-            </a:lnRef>
-            <a:fillRef idx="0">
-              <a:schemeClr val="dk1"/>
-            </a:fillRef>
-            <a:effectRef idx="0">
-              <a:schemeClr val="dk1"/>
-            </a:effectRef>
-            <a:fontRef idx="minor">
-              <a:schemeClr val="tx1"/>
-            </a:fontRef>
-          </p:style>
-        </p:cxnSp>
-        <p:cxnSp>
-          <p:nvCxnSpPr>
-            <p:cNvPr id="41" name="肘形连接符 40"/>
-            <p:cNvCxnSpPr>
-              <a:stCxn id="13" idx="3"/>
-              <a:endCxn id="14" idx="0"/>
-            </p:cNvCxnSpPr>
-            <p:nvPr/>
-          </p:nvCxnSpPr>
-          <p:spPr>
-            <a:xfrm>
-              <a:off x="6431" y="2267"/>
-              <a:ext cx="766" cy="266"/>
-            </a:xfrm>
-            <a:prstGeom prst="bentConnector2">
-              <a:avLst/>
-            </a:prstGeom>
-            <a:ln>
-              <a:tailEnd type="arrow" w="med" len="med"/>
-            </a:ln>
-          </p:spPr>
-          <p:style>
-            <a:lnRef idx="1">
-              <a:schemeClr val="dk1"/>
-            </a:lnRef>
-            <a:fillRef idx="0">
-              <a:schemeClr val="dk1"/>
-            </a:fillRef>
-            <a:effectRef idx="0">
-              <a:schemeClr val="dk1"/>
-            </a:effectRef>
-            <a:fontRef idx="minor">
-              <a:schemeClr val="tx1"/>
-            </a:fontRef>
-          </p:style>
-        </p:cxnSp>
-        <p:cxnSp>
-          <p:nvCxnSpPr>
-            <p:cNvPr id="42" name="肘形连接符 41"/>
-            <p:cNvCxnSpPr/>
-            <p:nvPr/>
-          </p:nvCxnSpPr>
-          <p:spPr>
-            <a:xfrm>
-              <a:off x="8842" y="3058"/>
-              <a:ext cx="766" cy="266"/>
-            </a:xfrm>
-            <a:prstGeom prst="bentConnector2">
-              <a:avLst/>
-            </a:prstGeom>
-            <a:ln>
-              <a:tailEnd type="arrow" w="med" len="med"/>
-            </a:ln>
-          </p:spPr>
-          <p:style>
-            <a:lnRef idx="1">
-              <a:schemeClr val="dk1"/>
-            </a:lnRef>
-            <a:fillRef idx="0">
-              <a:schemeClr val="dk1"/>
-            </a:fillRef>
-            <a:effectRef idx="0">
-              <a:schemeClr val="dk1"/>
-            </a:effectRef>
-            <a:fontRef idx="minor">
-              <a:schemeClr val="tx1"/>
-            </a:fontRef>
-          </p:style>
-        </p:cxnSp>
-        <p:cxnSp>
-          <p:nvCxnSpPr>
-            <p:cNvPr id="43" name="肘形连接符 42"/>
-            <p:cNvCxnSpPr/>
-            <p:nvPr/>
-          </p:nvCxnSpPr>
-          <p:spPr>
-            <a:xfrm>
-              <a:off x="11246" y="3849"/>
-              <a:ext cx="766" cy="266"/>
-            </a:xfrm>
-            <a:prstGeom prst="bentConnector2">
-              <a:avLst/>
-            </a:prstGeom>
-            <a:ln>
-              <a:tailEnd type="arrow" w="med" len="med"/>
-            </a:ln>
-          </p:spPr>
-          <p:style>
-            <a:lnRef idx="1">
-              <a:schemeClr val="dk1"/>
-            </a:lnRef>
-            <a:fillRef idx="0">
-              <a:schemeClr val="dk1"/>
-            </a:fillRef>
-            <a:effectRef idx="0">
-              <a:schemeClr val="dk1"/>
-            </a:effectRef>
-            <a:fontRef idx="minor">
-              <a:schemeClr val="tx1"/>
-            </a:fontRef>
-          </p:style>
-        </p:cxnSp>
-        <p:cxnSp>
-          <p:nvCxnSpPr>
-            <p:cNvPr id="44" name="肘形连接符 43"/>
-            <p:cNvCxnSpPr/>
-            <p:nvPr/>
-          </p:nvCxnSpPr>
-          <p:spPr>
-            <a:xfrm>
-              <a:off x="13649" y="4640"/>
-              <a:ext cx="766" cy="266"/>
-            </a:xfrm>
-            <a:prstGeom prst="bentConnector2">
-              <a:avLst/>
-            </a:prstGeom>
-            <a:ln>
-              <a:tailEnd type="arrow" w="med" len="med"/>
-            </a:ln>
-          </p:spPr>
-          <p:style>
-            <a:lnRef idx="1">
-              <a:schemeClr val="dk1"/>
-            </a:lnRef>
-            <a:fillRef idx="0">
-              <a:schemeClr val="dk1"/>
-            </a:fillRef>
-            <a:effectRef idx="0">
-              <a:schemeClr val="dk1"/>
-            </a:effectRef>
-            <a:fontRef idx="minor">
-              <a:schemeClr val="tx1"/>
-            </a:fontRef>
-          </p:style>
-        </p:cxnSp>
-        <p:cxnSp>
-          <p:nvCxnSpPr>
-            <p:cNvPr id="46" name="直接箭头连接符 45"/>
-            <p:cNvCxnSpPr>
-              <a:stCxn id="24" idx="2"/>
-              <a:endCxn id="36" idx="0"/>
-            </p:cNvCxnSpPr>
-            <p:nvPr/>
-          </p:nvCxnSpPr>
-          <p:spPr>
-            <a:xfrm flipH="1">
-              <a:off x="14405" y="5956"/>
-              <a:ext cx="1" cy="649"/>
-            </a:xfrm>
-            <a:prstGeom prst="straightConnector1">
-              <a:avLst/>
-            </a:prstGeom>
-            <a:ln>
-              <a:tailEnd type="arrow" w="med" len="med"/>
-            </a:ln>
-          </p:spPr>
-          <p:style>
-            <a:lnRef idx="1">
-              <a:schemeClr val="dk1"/>
-            </a:lnRef>
-            <a:fillRef idx="0">
-              <a:schemeClr val="dk1"/>
-            </a:fillRef>
-            <a:effectRef idx="0">
-              <a:schemeClr val="dk1"/>
-            </a:effectRef>
-            <a:fontRef idx="minor">
-              <a:schemeClr val="tx1"/>
-            </a:fontRef>
-          </p:style>
-        </p:cxnSp>
-        <p:cxnSp>
-          <p:nvCxnSpPr>
-            <p:cNvPr id="47" name="直接箭头连接符 46"/>
-            <p:cNvCxnSpPr>
-              <a:stCxn id="36" idx="2"/>
-              <a:endCxn id="25" idx="0"/>
-            </p:cNvCxnSpPr>
-            <p:nvPr/>
-          </p:nvCxnSpPr>
-          <p:spPr>
-            <a:xfrm flipH="1">
-              <a:off x="14404" y="7164"/>
-              <a:ext cx="1" cy="410"/>
-            </a:xfrm>
-            <a:prstGeom prst="straightConnector1">
-              <a:avLst/>
-            </a:prstGeom>
-            <a:ln>
-              <a:tailEnd type="arrow" w="med" len="med"/>
-            </a:ln>
-          </p:spPr>
-          <p:style>
-            <a:lnRef idx="1">
-              <a:schemeClr val="dk1"/>
-            </a:lnRef>
-            <a:fillRef idx="0">
-              <a:schemeClr val="dk1"/>
-            </a:fillRef>
-            <a:effectRef idx="0">
-              <a:schemeClr val="dk1"/>
-            </a:effectRef>
-            <a:fontRef idx="minor">
-              <a:schemeClr val="tx1"/>
-            </a:fontRef>
-          </p:style>
-        </p:cxnSp>
-        <p:cxnSp>
-          <p:nvCxnSpPr>
-            <p:cNvPr id="48" name="直接箭头连接符 47"/>
-            <p:cNvCxnSpPr>
-              <a:stCxn id="25" idx="2"/>
-              <a:endCxn id="26" idx="0"/>
-            </p:cNvCxnSpPr>
-            <p:nvPr/>
-          </p:nvCxnSpPr>
-          <p:spPr>
-            <a:xfrm>
-              <a:off x="14404" y="8624"/>
-              <a:ext cx="0" cy="411"/>
-            </a:xfrm>
-            <a:prstGeom prst="straightConnector1">
-              <a:avLst/>
-            </a:prstGeom>
-            <a:ln>
-              <a:tailEnd type="arrow" w="med" len="med"/>
-            </a:ln>
-          </p:spPr>
-          <p:style>
-            <a:lnRef idx="1">
-              <a:schemeClr val="dk1"/>
-            </a:lnRef>
-            <a:fillRef idx="0">
-              <a:schemeClr val="dk1"/>
-            </a:fillRef>
-            <a:effectRef idx="0">
-              <a:schemeClr val="dk1"/>
-            </a:effectRef>
-            <a:fontRef idx="minor">
-              <a:schemeClr val="tx1"/>
-            </a:fontRef>
-          </p:style>
-        </p:cxnSp>
-        <p:cxnSp>
-          <p:nvCxnSpPr>
-            <p:cNvPr id="49" name="直接箭头连接符 48"/>
-            <p:cNvCxnSpPr>
-              <a:stCxn id="26" idx="2"/>
-              <a:endCxn id="27" idx="0"/>
-            </p:cNvCxnSpPr>
-            <p:nvPr/>
-          </p:nvCxnSpPr>
-          <p:spPr>
-            <a:xfrm>
-              <a:off x="14404" y="9594"/>
-              <a:ext cx="1" cy="412"/>
-            </a:xfrm>
-            <a:prstGeom prst="straightConnector1">
-              <a:avLst/>
-            </a:prstGeom>
-            <a:ln>
-              <a:tailEnd type="arrow" w="med" len="med"/>
-            </a:ln>
-          </p:spPr>
-          <p:style>
-            <a:lnRef idx="1">
-              <a:schemeClr val="dk1"/>
-            </a:lnRef>
-            <a:fillRef idx="0">
-              <a:schemeClr val="dk1"/>
-            </a:fillRef>
-            <a:effectRef idx="0">
-              <a:schemeClr val="dk1"/>
-            </a:effectRef>
-            <a:fontRef idx="minor">
-              <a:schemeClr val="tx1"/>
-            </a:fontRef>
-          </p:style>
-        </p:cxnSp>
-        <p:cxnSp>
-          <p:nvCxnSpPr>
-            <p:cNvPr id="50" name="直接箭头连接符 49"/>
-            <p:cNvCxnSpPr>
-              <a:stCxn id="14" idx="2"/>
-              <a:endCxn id="33" idx="0"/>
-            </p:cNvCxnSpPr>
-            <p:nvPr/>
-          </p:nvCxnSpPr>
-          <p:spPr>
-            <a:xfrm>
-              <a:off x="7197" y="3583"/>
-              <a:ext cx="1" cy="640"/>
-            </a:xfrm>
-            <a:prstGeom prst="straightConnector1">
-              <a:avLst/>
-            </a:prstGeom>
-            <a:ln>
-              <a:tailEnd type="arrow" w="med" len="med"/>
-            </a:ln>
-          </p:spPr>
-          <p:style>
-            <a:lnRef idx="1">
-              <a:schemeClr val="dk1"/>
-            </a:lnRef>
-            <a:fillRef idx="0">
-              <a:schemeClr val="dk1"/>
-            </a:fillRef>
-            <a:effectRef idx="0">
-              <a:schemeClr val="dk1"/>
-            </a:effectRef>
-            <a:fontRef idx="minor">
-              <a:schemeClr val="tx1"/>
-            </a:fontRef>
-          </p:style>
-        </p:cxnSp>
-        <p:cxnSp>
-          <p:nvCxnSpPr>
-            <p:cNvPr id="51" name="直接箭头连接符 50"/>
-            <p:cNvCxnSpPr>
-              <a:endCxn id="34" idx="0"/>
-            </p:cNvCxnSpPr>
-            <p:nvPr/>
-          </p:nvCxnSpPr>
-          <p:spPr>
-            <a:xfrm>
-              <a:off x="9593" y="4350"/>
-              <a:ext cx="8" cy="659"/>
-            </a:xfrm>
-            <a:prstGeom prst="straightConnector1">
-              <a:avLst/>
-            </a:prstGeom>
-            <a:ln>
-              <a:tailEnd type="arrow" w="med" len="med"/>
-            </a:ln>
-          </p:spPr>
-          <p:style>
-            <a:lnRef idx="1">
-              <a:schemeClr val="dk1"/>
-            </a:lnRef>
-            <a:fillRef idx="0">
-              <a:schemeClr val="dk1"/>
-            </a:fillRef>
-            <a:effectRef idx="0">
-              <a:schemeClr val="dk1"/>
-            </a:effectRef>
-            <a:fontRef idx="minor">
-              <a:schemeClr val="tx1"/>
-            </a:fontRef>
-          </p:style>
-        </p:cxnSp>
-        <p:cxnSp>
-          <p:nvCxnSpPr>
-            <p:cNvPr id="52" name="直接箭头连接符 51"/>
-            <p:cNvCxnSpPr/>
-            <p:nvPr/>
-          </p:nvCxnSpPr>
-          <p:spPr>
-            <a:xfrm>
-              <a:off x="12012" y="5165"/>
-              <a:ext cx="1" cy="640"/>
-            </a:xfrm>
-            <a:prstGeom prst="straightConnector1">
-              <a:avLst/>
-            </a:prstGeom>
-            <a:ln>
-              <a:tailEnd type="arrow" w="med" len="med"/>
-            </a:ln>
-          </p:spPr>
-          <p:style>
-            <a:lnRef idx="1">
-              <a:schemeClr val="dk1"/>
-            </a:lnRef>
-            <a:fillRef idx="0">
-              <a:schemeClr val="dk1"/>
-            </a:fillRef>
-            <a:effectRef idx="0">
-              <a:schemeClr val="dk1"/>
-            </a:effectRef>
-            <a:fontRef idx="minor">
-              <a:schemeClr val="tx1"/>
-            </a:fontRef>
-          </p:style>
-        </p:cxnSp>
-        <p:cxnSp>
-          <p:nvCxnSpPr>
-            <p:cNvPr id="54" name="肘形连接符 53"/>
-            <p:cNvCxnSpPr>
-              <a:stCxn id="33" idx="2"/>
-              <a:endCxn id="25" idx="1"/>
-            </p:cNvCxnSpPr>
-            <p:nvPr/>
-          </p:nvCxnSpPr>
-          <p:spPr>
-            <a:xfrm rot="5400000" flipV="1">
-              <a:off x="8320" y="3659"/>
-              <a:ext cx="3317" cy="5561"/>
-            </a:xfrm>
-            <a:prstGeom prst="bentConnector2">
-              <a:avLst/>
-            </a:prstGeom>
-            <a:ln>
-              <a:tailEnd type="arrow" w="med" len="med"/>
-            </a:ln>
-          </p:spPr>
-          <p:style>
-            <a:lnRef idx="1">
-              <a:schemeClr val="dk1"/>
-            </a:lnRef>
-            <a:fillRef idx="0">
-              <a:schemeClr val="dk1"/>
-            </a:fillRef>
-            <a:effectRef idx="0">
-              <a:schemeClr val="dk1"/>
-            </a:effectRef>
-            <a:fontRef idx="minor">
-              <a:schemeClr val="tx1"/>
-            </a:fontRef>
-          </p:style>
-        </p:cxnSp>
-        <p:cxnSp>
-          <p:nvCxnSpPr>
-            <p:cNvPr id="55" name="肘形连接符 54"/>
-            <p:cNvCxnSpPr>
-              <a:stCxn id="34" idx="2"/>
-              <a:endCxn id="25" idx="1"/>
-            </p:cNvCxnSpPr>
-            <p:nvPr/>
-          </p:nvCxnSpPr>
-          <p:spPr>
-            <a:xfrm rot="5400000" flipV="1">
-              <a:off x="9915" y="5254"/>
-              <a:ext cx="2531" cy="3158"/>
-            </a:xfrm>
-            <a:prstGeom prst="bentConnector2">
-              <a:avLst/>
-            </a:prstGeom>
-            <a:ln>
-              <a:tailEnd type="arrow" w="med" len="med"/>
-            </a:ln>
-          </p:spPr>
-          <p:style>
-            <a:lnRef idx="1">
-              <a:schemeClr val="dk1"/>
-            </a:lnRef>
-            <a:fillRef idx="0">
-              <a:schemeClr val="dk1"/>
-            </a:fillRef>
-            <a:effectRef idx="0">
-              <a:schemeClr val="dk1"/>
-            </a:effectRef>
-            <a:fontRef idx="minor">
-              <a:schemeClr val="tx1"/>
-            </a:fontRef>
-          </p:style>
-        </p:cxnSp>
-        <p:cxnSp>
-          <p:nvCxnSpPr>
-            <p:cNvPr id="56" name="肘形连接符 55"/>
-            <p:cNvCxnSpPr>
-              <a:stCxn id="35" idx="2"/>
-              <a:endCxn id="25" idx="1"/>
-            </p:cNvCxnSpPr>
-            <p:nvPr/>
-          </p:nvCxnSpPr>
-          <p:spPr>
-            <a:xfrm rot="5400000" flipV="1">
-              <a:off x="11512" y="6851"/>
-              <a:ext cx="1739" cy="755"/>
-            </a:xfrm>
-            <a:prstGeom prst="bentConnector2">
-              <a:avLst/>
-            </a:prstGeom>
-            <a:ln>
-              <a:tailEnd type="arrow" w="med" len="med"/>
-            </a:ln>
-          </p:spPr>
-          <p:style>
-            <a:lnRef idx="1">
-              <a:schemeClr val="dk1"/>
-            </a:lnRef>
-            <a:fillRef idx="0">
-              <a:schemeClr val="dk1"/>
-            </a:fillRef>
-            <a:effectRef idx="0">
-              <a:schemeClr val="dk1"/>
-            </a:effectRef>
-            <a:fontRef idx="minor">
-              <a:schemeClr val="tx1"/>
-            </a:fontRef>
-          </p:style>
-        </p:cxnSp>
-        <p:grpSp>
-          <p:nvGrpSpPr>
-            <p:cNvPr id="59" name="组合 58"/>
-            <p:cNvGrpSpPr/>
-            <p:nvPr/>
-          </p:nvGrpSpPr>
-          <p:grpSpPr>
-            <a:xfrm>
-              <a:off x="4906" y="1687"/>
-              <a:ext cx="2192" cy="1716"/>
-              <a:chOff x="4906" y="1687"/>
-              <a:chExt cx="2192" cy="1716"/>
-            </a:xfrm>
-          </p:grpSpPr>
-          <p:sp>
-            <p:nvSpPr>
-              <p:cNvPr id="57" name="文本框 56"/>
-              <p:cNvSpPr txBox="1"/>
-              <p:nvPr/>
-            </p:nvSpPr>
-            <p:spPr>
-              <a:xfrm>
-                <a:off x="4906" y="2823"/>
-                <a:ext cx="528" cy="580"/>
-              </a:xfrm>
-              <a:prstGeom prst="rect">
-                <a:avLst/>
-              </a:prstGeom>
-              <a:noFill/>
-            </p:spPr>
-            <p:txBody>
-              <a:bodyPr wrap="none" rtlCol="0">
-                <a:spAutoFit/>
-              </a:bodyPr>
-              <a:p>
-                <a:r>
-                  <a:rPr lang="en-US" altLang="zh-CN"/>
-                  <a:t>Y</a:t>
-                </a:r>
-                <a:endParaRPr lang="en-US" altLang="zh-CN"/>
-              </a:p>
-            </p:txBody>
-          </p:sp>
-          <p:sp>
-            <p:nvSpPr>
-              <p:cNvPr id="58" name="文本框 57"/>
-              <p:cNvSpPr txBox="1"/>
-              <p:nvPr/>
-            </p:nvSpPr>
-            <p:spPr>
-              <a:xfrm>
-                <a:off x="6550" y="1687"/>
-                <a:ext cx="548" cy="580"/>
-              </a:xfrm>
-              <a:prstGeom prst="rect">
-                <a:avLst/>
-              </a:prstGeom>
-              <a:noFill/>
-            </p:spPr>
-            <p:txBody>
-              <a:bodyPr wrap="none" rtlCol="0">
-                <a:spAutoFit/>
-              </a:bodyPr>
-              <a:p>
-                <a:r>
-                  <a:rPr lang="en-US" altLang="zh-CN"/>
-                  <a:t>N</a:t>
-                </a:r>
-                <a:endParaRPr lang="en-US" altLang="zh-CN"/>
-              </a:p>
-            </p:txBody>
-          </p:sp>
-        </p:grpSp>
-        <p:grpSp>
-          <p:nvGrpSpPr>
-            <p:cNvPr id="60" name="组合 59"/>
-            <p:cNvGrpSpPr/>
-            <p:nvPr/>
-          </p:nvGrpSpPr>
-          <p:grpSpPr>
-            <a:xfrm>
-              <a:off x="7300" y="2507"/>
-              <a:ext cx="2192" cy="1716"/>
-              <a:chOff x="4906" y="1687"/>
-              <a:chExt cx="2192" cy="1716"/>
-            </a:xfrm>
-          </p:grpSpPr>
-          <p:sp>
-            <p:nvSpPr>
-              <p:cNvPr id="61" name="文本框 60"/>
-              <p:cNvSpPr txBox="1"/>
-              <p:nvPr/>
-            </p:nvSpPr>
-            <p:spPr>
-              <a:xfrm>
-                <a:off x="4906" y="2823"/>
-                <a:ext cx="528" cy="580"/>
-              </a:xfrm>
-              <a:prstGeom prst="rect">
-                <a:avLst/>
-              </a:prstGeom>
-              <a:noFill/>
-            </p:spPr>
-            <p:txBody>
-              <a:bodyPr wrap="none" rtlCol="0">
-                <a:spAutoFit/>
-              </a:bodyPr>
-              <a:p>
-                <a:r>
-                  <a:rPr lang="en-US" altLang="zh-CN"/>
-                  <a:t>Y</a:t>
-                </a:r>
-                <a:endParaRPr lang="en-US" altLang="zh-CN"/>
-              </a:p>
-            </p:txBody>
-          </p:sp>
-          <p:sp>
-            <p:nvSpPr>
-              <p:cNvPr id="62" name="文本框 61"/>
-              <p:cNvSpPr txBox="1"/>
-              <p:nvPr/>
-            </p:nvSpPr>
-            <p:spPr>
-              <a:xfrm>
-                <a:off x="6550" y="1687"/>
-                <a:ext cx="548" cy="580"/>
-              </a:xfrm>
-              <a:prstGeom prst="rect">
-                <a:avLst/>
-              </a:prstGeom>
-              <a:noFill/>
-            </p:spPr>
-            <p:txBody>
-              <a:bodyPr wrap="none" rtlCol="0">
-                <a:spAutoFit/>
-              </a:bodyPr>
-              <a:p>
-                <a:r>
-                  <a:rPr lang="en-US" altLang="zh-CN"/>
-                  <a:t>N</a:t>
-                </a:r>
-                <a:endParaRPr lang="en-US" altLang="zh-CN"/>
-              </a:p>
-            </p:txBody>
-          </p:sp>
-        </p:grpSp>
-        <p:grpSp>
-          <p:nvGrpSpPr>
-            <p:cNvPr id="63" name="组合 62"/>
-            <p:cNvGrpSpPr/>
-            <p:nvPr/>
-          </p:nvGrpSpPr>
-          <p:grpSpPr>
-            <a:xfrm>
-              <a:off x="9698" y="3293"/>
-              <a:ext cx="2192" cy="1716"/>
-              <a:chOff x="4906" y="1687"/>
-              <a:chExt cx="2192" cy="1716"/>
-            </a:xfrm>
-          </p:grpSpPr>
-          <p:sp>
-            <p:nvSpPr>
-              <p:cNvPr id="64" name="文本框 63"/>
-              <p:cNvSpPr txBox="1"/>
-              <p:nvPr/>
-            </p:nvSpPr>
-            <p:spPr>
-              <a:xfrm>
-                <a:off x="4906" y="2823"/>
-                <a:ext cx="528" cy="580"/>
-              </a:xfrm>
-              <a:prstGeom prst="rect">
-                <a:avLst/>
-              </a:prstGeom>
-              <a:noFill/>
-            </p:spPr>
-            <p:txBody>
-              <a:bodyPr wrap="none" rtlCol="0">
-                <a:spAutoFit/>
-              </a:bodyPr>
-              <a:p>
-                <a:r>
-                  <a:rPr lang="en-US" altLang="zh-CN"/>
-                  <a:t>Y</a:t>
-                </a:r>
-                <a:endParaRPr lang="en-US" altLang="zh-CN"/>
-              </a:p>
-            </p:txBody>
-          </p:sp>
-          <p:sp>
-            <p:nvSpPr>
-              <p:cNvPr id="65" name="文本框 64"/>
-              <p:cNvSpPr txBox="1"/>
-              <p:nvPr/>
-            </p:nvSpPr>
-            <p:spPr>
-              <a:xfrm>
-                <a:off x="6550" y="1687"/>
-                <a:ext cx="548" cy="580"/>
-              </a:xfrm>
-              <a:prstGeom prst="rect">
-                <a:avLst/>
-              </a:prstGeom>
-              <a:noFill/>
-            </p:spPr>
-            <p:txBody>
-              <a:bodyPr wrap="none" rtlCol="0">
-                <a:spAutoFit/>
-              </a:bodyPr>
-              <a:p>
-                <a:r>
-                  <a:rPr lang="en-US" altLang="zh-CN"/>
-                  <a:t>N</a:t>
-                </a:r>
-                <a:endParaRPr lang="en-US" altLang="zh-CN"/>
-              </a:p>
-            </p:txBody>
-          </p:sp>
-        </p:grpSp>
-        <p:grpSp>
-          <p:nvGrpSpPr>
-            <p:cNvPr id="66" name="组合 65"/>
-            <p:cNvGrpSpPr/>
-            <p:nvPr/>
-          </p:nvGrpSpPr>
-          <p:grpSpPr>
-            <a:xfrm>
-              <a:off x="12103" y="4070"/>
-              <a:ext cx="2192" cy="1716"/>
-              <a:chOff x="4906" y="1687"/>
-              <a:chExt cx="2192" cy="1716"/>
-            </a:xfrm>
-          </p:grpSpPr>
-          <p:sp>
-            <p:nvSpPr>
-              <p:cNvPr id="67" name="文本框 66"/>
-              <p:cNvSpPr txBox="1"/>
-              <p:nvPr/>
-            </p:nvSpPr>
-            <p:spPr>
-              <a:xfrm>
-                <a:off x="4906" y="2823"/>
-                <a:ext cx="528" cy="580"/>
-              </a:xfrm>
-              <a:prstGeom prst="rect">
-                <a:avLst/>
-              </a:prstGeom>
-              <a:noFill/>
-            </p:spPr>
-            <p:txBody>
-              <a:bodyPr wrap="none" rtlCol="0">
-                <a:spAutoFit/>
-              </a:bodyPr>
-              <a:p>
-                <a:r>
-                  <a:rPr lang="en-US" altLang="zh-CN"/>
-                  <a:t>Y</a:t>
-                </a:r>
-                <a:endParaRPr lang="en-US" altLang="zh-CN"/>
-              </a:p>
-            </p:txBody>
-          </p:sp>
-          <p:sp>
-            <p:nvSpPr>
-              <p:cNvPr id="68" name="文本框 67"/>
-              <p:cNvSpPr txBox="1"/>
-              <p:nvPr/>
-            </p:nvSpPr>
-            <p:spPr>
-              <a:xfrm>
-                <a:off x="6550" y="1687"/>
-                <a:ext cx="548" cy="580"/>
-              </a:xfrm>
-              <a:prstGeom prst="rect">
-                <a:avLst/>
-              </a:prstGeom>
-              <a:noFill/>
-            </p:spPr>
-            <p:txBody>
-              <a:bodyPr wrap="none" rtlCol="0">
-                <a:spAutoFit/>
-              </a:bodyPr>
-              <a:p>
-                <a:r>
-                  <a:rPr lang="en-US" altLang="zh-CN"/>
-                  <a:t>N</a:t>
-                </a:r>
-                <a:endParaRPr lang="en-US" altLang="zh-CN"/>
-              </a:p>
-            </p:txBody>
-          </p:sp>
-        </p:grpSp>
-        <p:cxnSp>
-          <p:nvCxnSpPr>
-            <p:cNvPr id="71" name="肘形连接符 70"/>
-            <p:cNvCxnSpPr>
-              <a:stCxn id="24" idx="3"/>
-            </p:cNvCxnSpPr>
-            <p:nvPr/>
-          </p:nvCxnSpPr>
-          <p:spPr>
-            <a:xfrm>
-              <a:off x="16051" y="5431"/>
-              <a:ext cx="470" cy="4392"/>
-            </a:xfrm>
-            <a:prstGeom prst="bentConnector2">
-              <a:avLst/>
-            </a:prstGeom>
-          </p:spPr>
-          <p:style>
-            <a:lnRef idx="1">
-              <a:schemeClr val="dk1"/>
-            </a:lnRef>
-            <a:fillRef idx="0">
-              <a:schemeClr val="dk1"/>
-            </a:fillRef>
-            <a:effectRef idx="0">
-              <a:schemeClr val="dk1"/>
-            </a:effectRef>
-            <a:fontRef idx="minor">
-              <a:schemeClr val="tx1"/>
-            </a:fontRef>
-          </p:style>
-        </p:cxnSp>
-        <p:cxnSp>
-          <p:nvCxnSpPr>
-            <p:cNvPr id="72" name="直接箭头连接符 71"/>
-            <p:cNvCxnSpPr/>
-            <p:nvPr/>
-          </p:nvCxnSpPr>
-          <p:spPr>
-            <a:xfrm flipH="1" flipV="1">
-              <a:off x="14395" y="9814"/>
-              <a:ext cx="2126" cy="5"/>
-            </a:xfrm>
-            <a:prstGeom prst="straightConnector1">
-              <a:avLst/>
-            </a:prstGeom>
-            <a:ln>
-              <a:tailEnd type="arrow" w="med" len="med"/>
-            </a:ln>
-          </p:spPr>
-          <p:style>
-            <a:lnRef idx="1">
-              <a:schemeClr val="dk1"/>
-            </a:lnRef>
-            <a:fillRef idx="0">
-              <a:schemeClr val="dk1"/>
-            </a:fillRef>
-            <a:effectRef idx="0">
-              <a:schemeClr val="dk1"/>
-            </a:effectRef>
-            <a:fontRef idx="minor">
-              <a:schemeClr val="tx1"/>
-            </a:fontRef>
-          </p:style>
-        </p:cxnSp>
-      </p:grpSp>
+          <a:prstGeom prst="rect">
+            <a:avLst/>
+          </a:prstGeom>
+        </p:spPr>
+      </p:pic>
     </p:spTree>
     <p:custDataLst>
-      <p:tags r:id="rId1"/>
+      <p:tags r:id="rId3"/>
     </p:custDataLst>
   </p:cSld>
   <p:clrMapOvr>
@@ -7868,2673 +4844,37 @@
         <p:nvPr/>
       </p:nvGrpSpPr>
       <p:grpSpPr/>
-      <p:grpSp>
-        <p:nvGrpSpPr>
-          <p:cNvPr id="115" name="组合 114"/>
-          <p:cNvGrpSpPr/>
-          <p:nvPr/>
-        </p:nvGrpSpPr>
-        <p:grpSpPr>
+      <p:pic>
+        <p:nvPicPr>
+          <p:cNvPr id="2" name="图片 1" descr="3"/>
+          <p:cNvPicPr>
+            <a:picLocks noChangeAspect="1"/>
+          </p:cNvPicPr>
+          <p:nvPr>
+            <p:custDataLst>
+              <p:tags r:id="rId1"/>
+            </p:custDataLst>
+          </p:nvPr>
+        </p:nvPicPr>
+        <p:blipFill>
+          <a:blip r:embed="rId2"/>
+          <a:stretch>
+            <a:fillRect/>
+          </a:stretch>
+        </p:blipFill>
+        <p:spPr>
           <a:xfrm>
-            <a:off x="633095" y="87630"/>
-            <a:ext cx="11149965" cy="6697980"/>
-            <a:chOff x="1176" y="108"/>
-            <a:chExt cx="17559" cy="10548"/>
+            <a:off x="1066800" y="467995"/>
+            <a:ext cx="10058400" cy="5922010"/>
           </a:xfrm>
-        </p:grpSpPr>
-        <p:sp>
-          <p:nvSpPr>
-            <p:cNvPr id="21" name="圆角矩形 20"/>
-            <p:cNvSpPr/>
-            <p:nvPr/>
-          </p:nvSpPr>
-          <p:spPr>
-            <a:xfrm>
-              <a:off x="1176" y="108"/>
-              <a:ext cx="3292" cy="732"/>
-            </a:xfrm>
-            <a:prstGeom prst="roundRect">
-              <a:avLst/>
-            </a:prstGeom>
-            <a:solidFill>
-              <a:schemeClr val="bg1"/>
-            </a:solidFill>
-            <a:ln>
-              <a:solidFill>
-                <a:schemeClr val="tx1"/>
-              </a:solidFill>
-            </a:ln>
-          </p:spPr>
-          <p:style>
-            <a:lnRef idx="2">
-              <a:schemeClr val="accent1">
-                <a:shade val="50000"/>
-              </a:schemeClr>
-            </a:lnRef>
-            <a:fillRef idx="1">
-              <a:schemeClr val="accent1"/>
-            </a:fillRef>
-            <a:effectRef idx="0">
-              <a:schemeClr val="accent1"/>
-            </a:effectRef>
-            <a:fontRef idx="minor">
-              <a:schemeClr val="lt1"/>
-            </a:fontRef>
-          </p:style>
-          <p:txBody>
-            <a:bodyPr rtlCol="0" anchor="ctr"/>
-            <a:p>
-              <a:pPr algn="ctr"/>
-              <a:r>
-                <a:rPr lang="ja-JP" altLang="en-US">
-                  <a:solidFill>
-                    <a:schemeClr val="tx1"/>
-                  </a:solidFill>
-                  <a:sym typeface="+mn-ea"/>
-                </a:rPr>
-                <a:t>accumlation</a:t>
-              </a:r>
-              <a:r>
-                <a:rPr lang="ja-JP" altLang="en-US">
-                  <a:solidFill>
-                    <a:schemeClr val="tx1"/>
-                  </a:solidFill>
-                </a:rPr>
-                <a:t>開始</a:t>
-              </a:r>
-              <a:endParaRPr lang="ja-JP" altLang="en-US">
-                <a:solidFill>
-                  <a:schemeClr val="tx1"/>
-                </a:solidFill>
-              </a:endParaRPr>
-            </a:p>
-          </p:txBody>
-        </p:sp>
-        <p:sp>
-          <p:nvSpPr>
-            <p:cNvPr id="10" name="矩形 9"/>
-            <p:cNvSpPr/>
-            <p:nvPr/>
-          </p:nvSpPr>
-          <p:spPr>
-            <a:xfrm>
-              <a:off x="1177" y="1124"/>
-              <a:ext cx="3291" cy="559"/>
-            </a:xfrm>
-            <a:prstGeom prst="rect">
-              <a:avLst/>
-            </a:prstGeom>
-            <a:ln>
-              <a:solidFill>
-                <a:schemeClr val="tx1"/>
-              </a:solidFill>
-            </a:ln>
-          </p:spPr>
-          <p:style>
-            <a:lnRef idx="2">
-              <a:schemeClr val="accent6"/>
-            </a:lnRef>
-            <a:fillRef idx="1">
-              <a:schemeClr val="lt1"/>
-            </a:fillRef>
-            <a:effectRef idx="0">
-              <a:schemeClr val="accent6"/>
-            </a:effectRef>
-            <a:fontRef idx="minor">
-              <a:schemeClr val="dk1"/>
-            </a:fontRef>
-          </p:style>
-          <p:txBody>
-            <a:bodyPr rtlCol="0" anchor="ctr"/>
-            <a:p>
-              <a:pPr algn="ctr"/>
-              <a:r>
-                <a:rPr lang="ja-JP" altLang="en-US">
-                  <a:sym typeface="+mn-ea"/>
-                </a:rPr>
-                <a:t>初期化</a:t>
-              </a:r>
-              <a:endParaRPr lang="en-US" altLang="ja-JP"/>
-            </a:p>
-          </p:txBody>
-        </p:sp>
-        <p:cxnSp>
-          <p:nvCxnSpPr>
-            <p:cNvPr id="28" name="直接箭头连接符 27"/>
-            <p:cNvCxnSpPr>
-              <a:stCxn id="21" idx="2"/>
-              <a:endCxn id="10" idx="0"/>
-            </p:cNvCxnSpPr>
-            <p:nvPr/>
-          </p:nvCxnSpPr>
-          <p:spPr>
-            <a:xfrm>
-              <a:off x="2822" y="840"/>
-              <a:ext cx="1" cy="284"/>
-            </a:xfrm>
-            <a:prstGeom prst="straightConnector1">
-              <a:avLst/>
-            </a:prstGeom>
-            <a:ln>
-              <a:tailEnd type="arrow" w="med" len="med"/>
-            </a:ln>
-          </p:spPr>
-          <p:style>
-            <a:lnRef idx="1">
-              <a:schemeClr val="dk1"/>
-            </a:lnRef>
-            <a:fillRef idx="0">
-              <a:schemeClr val="dk1"/>
-            </a:fillRef>
-            <a:effectRef idx="0">
-              <a:schemeClr val="dk1"/>
-            </a:effectRef>
-            <a:fontRef idx="minor">
-              <a:schemeClr val="tx1"/>
-            </a:fontRef>
-          </p:style>
-        </p:cxnSp>
-        <p:cxnSp>
-          <p:nvCxnSpPr>
-            <p:cNvPr id="29" name="直接箭头连接符 28"/>
-            <p:cNvCxnSpPr>
-              <a:stCxn id="10" idx="2"/>
-            </p:cNvCxnSpPr>
-            <p:nvPr/>
-          </p:nvCxnSpPr>
-          <p:spPr>
-            <a:xfrm flipH="1">
-              <a:off x="2822" y="1683"/>
-              <a:ext cx="1" cy="284"/>
-            </a:xfrm>
-            <a:prstGeom prst="straightConnector1">
-              <a:avLst/>
-            </a:prstGeom>
-            <a:ln>
-              <a:tailEnd type="arrow" w="med" len="med"/>
-            </a:ln>
-          </p:spPr>
-          <p:style>
-            <a:lnRef idx="1">
-              <a:schemeClr val="dk1"/>
-            </a:lnRef>
-            <a:fillRef idx="0">
-              <a:schemeClr val="dk1"/>
-            </a:fillRef>
-            <a:effectRef idx="0">
-              <a:schemeClr val="dk1"/>
-            </a:effectRef>
-            <a:fontRef idx="minor">
-              <a:schemeClr val="tx1"/>
-            </a:fontRef>
-          </p:style>
-        </p:cxnSp>
-        <p:sp>
-          <p:nvSpPr>
-            <p:cNvPr id="5" name="流程图: 决策 4"/>
-            <p:cNvSpPr/>
-            <p:nvPr/>
-          </p:nvSpPr>
-          <p:spPr>
-            <a:xfrm>
-              <a:off x="1177" y="1967"/>
-              <a:ext cx="3292" cy="900"/>
-            </a:xfrm>
-            <a:prstGeom prst="flowChartDecision">
-              <a:avLst/>
-            </a:prstGeom>
-            <a:ln>
-              <a:solidFill>
-                <a:schemeClr val="tx1"/>
-              </a:solidFill>
-            </a:ln>
-          </p:spPr>
-          <p:style>
-            <a:lnRef idx="2">
-              <a:schemeClr val="accent6"/>
-            </a:lnRef>
-            <a:fillRef idx="1">
-              <a:schemeClr val="lt1"/>
-            </a:fillRef>
-            <a:effectRef idx="0">
-              <a:schemeClr val="accent6"/>
-            </a:effectRef>
-            <a:fontRef idx="minor">
-              <a:schemeClr val="dk1"/>
-            </a:fontRef>
-          </p:style>
-          <p:txBody>
-            <a:bodyPr rtlCol="0" anchor="ctr"/>
-            <a:p>
-              <a:pPr algn="ctr"/>
-              <a:r>
-                <a:rPr lang="en-US" altLang="zh-CN"/>
-                <a:t>num1&gt;</a:t>
-              </a:r>
-              <a:endParaRPr lang="en-US" altLang="zh-CN"/>
-            </a:p>
-            <a:p>
-              <a:pPr algn="ctr"/>
-              <a:r>
-                <a:rPr lang="en-US" altLang="zh-CN"/>
-                <a:t>num2</a:t>
-              </a:r>
-              <a:endParaRPr lang="en-US" altLang="zh-CN"/>
-            </a:p>
-          </p:txBody>
-        </p:sp>
-        <p:sp>
-          <p:nvSpPr>
-            <p:cNvPr id="6" name="矩形 5"/>
-            <p:cNvSpPr/>
-            <p:nvPr/>
-          </p:nvSpPr>
-          <p:spPr>
-            <a:xfrm>
-              <a:off x="1178" y="3139"/>
-              <a:ext cx="3291" cy="559"/>
-            </a:xfrm>
-            <a:prstGeom prst="rect">
-              <a:avLst/>
-            </a:prstGeom>
-            <a:ln>
-              <a:solidFill>
-                <a:schemeClr val="tx1"/>
-              </a:solidFill>
-            </a:ln>
-          </p:spPr>
-          <p:style>
-            <a:lnRef idx="2">
-              <a:schemeClr val="accent6"/>
-            </a:lnRef>
-            <a:fillRef idx="1">
-              <a:schemeClr val="lt1"/>
-            </a:fillRef>
-            <a:effectRef idx="0">
-              <a:schemeClr val="accent6"/>
-            </a:effectRef>
-            <a:fontRef idx="minor">
-              <a:schemeClr val="dk1"/>
-            </a:fontRef>
-          </p:style>
-          <p:txBody>
-            <a:bodyPr rtlCol="0" anchor="ctr"/>
-            <a:p>
-              <a:pPr algn="ctr"/>
-              <a:r>
-                <a:rPr lang="en-US" altLang="ja-JP" sz="1400"/>
-                <a:t>r=range(num2,num1+1)</a:t>
-              </a:r>
-              <a:endParaRPr lang="en-US" altLang="ja-JP" sz="1400"/>
-            </a:p>
-          </p:txBody>
-        </p:sp>
-        <p:sp>
-          <p:nvSpPr>
-            <p:cNvPr id="7" name="矩形 6"/>
-            <p:cNvSpPr/>
-            <p:nvPr/>
-          </p:nvSpPr>
-          <p:spPr>
-            <a:xfrm>
-              <a:off x="4918" y="2137"/>
-              <a:ext cx="3291" cy="559"/>
-            </a:xfrm>
-            <a:prstGeom prst="rect">
-              <a:avLst/>
-            </a:prstGeom>
-            <a:ln>
-              <a:solidFill>
-                <a:schemeClr val="tx1"/>
-              </a:solidFill>
-            </a:ln>
-          </p:spPr>
-          <p:style>
-            <a:lnRef idx="2">
-              <a:schemeClr val="accent6"/>
-            </a:lnRef>
-            <a:fillRef idx="1">
-              <a:schemeClr val="lt1"/>
-            </a:fillRef>
-            <a:effectRef idx="0">
-              <a:schemeClr val="accent6"/>
-            </a:effectRef>
-            <a:fontRef idx="minor">
-              <a:schemeClr val="dk1"/>
-            </a:fontRef>
-          </p:style>
-          <p:txBody>
-            <a:bodyPr rtlCol="0" anchor="ctr"/>
-            <a:p>
-              <a:pPr algn="ctr"/>
-              <a:r>
-                <a:rPr lang="en-US" altLang="ja-JP" sz="1400"/>
-                <a:t>r=range(num1,num2+1)</a:t>
-              </a:r>
-              <a:endParaRPr lang="en-US" altLang="ja-JP" sz="1400"/>
-            </a:p>
-          </p:txBody>
-        </p:sp>
-        <p:cxnSp>
-          <p:nvCxnSpPr>
-            <p:cNvPr id="39" name="直接箭头连接符 38"/>
-            <p:cNvCxnSpPr>
-              <a:stCxn id="6" idx="2"/>
-              <a:endCxn id="77" idx="0"/>
-            </p:cNvCxnSpPr>
-            <p:nvPr/>
-          </p:nvCxnSpPr>
-          <p:spPr>
-            <a:xfrm>
-              <a:off x="2824" y="3698"/>
-              <a:ext cx="0" cy="571"/>
-            </a:xfrm>
-            <a:prstGeom prst="straightConnector1">
-              <a:avLst/>
-            </a:prstGeom>
-            <a:ln>
-              <a:tailEnd type="arrow" w="med" len="med"/>
-            </a:ln>
-          </p:spPr>
-          <p:style>
-            <a:lnRef idx="1">
-              <a:schemeClr val="dk1"/>
-            </a:lnRef>
-            <a:fillRef idx="0">
-              <a:schemeClr val="dk1"/>
-            </a:fillRef>
-            <a:effectRef idx="0">
-              <a:schemeClr val="dk1"/>
-            </a:effectRef>
-            <a:fontRef idx="minor">
-              <a:schemeClr val="tx1"/>
-            </a:fontRef>
-          </p:style>
-        </p:cxnSp>
-        <p:cxnSp>
-          <p:nvCxnSpPr>
-            <p:cNvPr id="41" name="肘形连接符 40"/>
-            <p:cNvCxnSpPr>
-              <a:stCxn id="77" idx="3"/>
-              <a:endCxn id="14" idx="0"/>
-            </p:cNvCxnSpPr>
-            <p:nvPr/>
-          </p:nvCxnSpPr>
-          <p:spPr>
-            <a:xfrm>
-              <a:off x="4470" y="4794"/>
-              <a:ext cx="8368" cy="433"/>
-            </a:xfrm>
-            <a:prstGeom prst="bentConnector2">
-              <a:avLst/>
-            </a:prstGeom>
-            <a:ln>
-              <a:tailEnd type="arrow" w="med" len="med"/>
-            </a:ln>
-          </p:spPr>
-          <p:style>
-            <a:lnRef idx="1">
-              <a:schemeClr val="dk1"/>
-            </a:lnRef>
-            <a:fillRef idx="0">
-              <a:schemeClr val="dk1"/>
-            </a:fillRef>
-            <a:effectRef idx="0">
-              <a:schemeClr val="dk1"/>
-            </a:effectRef>
-            <a:fontRef idx="minor">
-              <a:schemeClr val="tx1"/>
-            </a:fontRef>
-          </p:style>
-        </p:cxnSp>
-        <p:cxnSp>
-          <p:nvCxnSpPr>
-            <p:cNvPr id="40" name="直接箭头连接符 39"/>
-            <p:cNvCxnSpPr>
-              <a:stCxn id="5" idx="2"/>
-              <a:endCxn id="6" idx="0"/>
-            </p:cNvCxnSpPr>
-            <p:nvPr/>
-          </p:nvCxnSpPr>
-          <p:spPr>
-            <a:xfrm>
-              <a:off x="2823" y="2867"/>
-              <a:ext cx="1" cy="272"/>
-            </a:xfrm>
-            <a:prstGeom prst="straightConnector1">
-              <a:avLst/>
-            </a:prstGeom>
-            <a:ln>
-              <a:tailEnd type="arrow" w="med" len="med"/>
-            </a:ln>
-          </p:spPr>
-          <p:style>
-            <a:lnRef idx="1">
-              <a:schemeClr val="dk1"/>
-            </a:lnRef>
-            <a:fillRef idx="0">
-              <a:schemeClr val="dk1"/>
-            </a:fillRef>
-            <a:effectRef idx="0">
-              <a:schemeClr val="dk1"/>
-            </a:effectRef>
-            <a:fontRef idx="minor">
-              <a:schemeClr val="tx1"/>
-            </a:fontRef>
-          </p:style>
-        </p:cxnSp>
-        <p:cxnSp>
-          <p:nvCxnSpPr>
-            <p:cNvPr id="45" name="直接箭头连接符 44"/>
-            <p:cNvCxnSpPr/>
-            <p:nvPr/>
-          </p:nvCxnSpPr>
-          <p:spPr>
-            <a:xfrm>
-              <a:off x="4468" y="2417"/>
-              <a:ext cx="449" cy="0"/>
-            </a:xfrm>
-            <a:prstGeom prst="straightConnector1">
-              <a:avLst/>
-            </a:prstGeom>
-            <a:ln>
-              <a:tailEnd type="arrow" w="med" len="med"/>
-            </a:ln>
-          </p:spPr>
-          <p:style>
-            <a:lnRef idx="1">
-              <a:schemeClr val="dk1"/>
-            </a:lnRef>
-            <a:fillRef idx="0">
-              <a:schemeClr val="dk1"/>
-            </a:fillRef>
-            <a:effectRef idx="0">
-              <a:schemeClr val="dk1"/>
-            </a:effectRef>
-            <a:fontRef idx="minor">
-              <a:schemeClr val="tx1"/>
-            </a:fontRef>
-          </p:style>
-        </p:cxnSp>
-        <p:cxnSp>
-          <p:nvCxnSpPr>
-            <p:cNvPr id="46" name="肘形连接符 45"/>
-            <p:cNvCxnSpPr>
-              <a:stCxn id="30" idx="2"/>
-              <a:endCxn id="14" idx="1"/>
-            </p:cNvCxnSpPr>
-            <p:nvPr/>
-          </p:nvCxnSpPr>
-          <p:spPr>
-            <a:xfrm rot="5400000" flipH="1">
-              <a:off x="10231" y="6714"/>
-              <a:ext cx="3568" cy="1644"/>
-            </a:xfrm>
-            <a:prstGeom prst="bentConnector4">
-              <a:avLst>
-                <a:gd name="adj1" fmla="val -10510"/>
-                <a:gd name="adj2" fmla="val 122932"/>
-              </a:avLst>
-            </a:prstGeom>
-            <a:ln>
-              <a:tailEnd type="arrow" w="med" len="med"/>
-            </a:ln>
-          </p:spPr>
-          <p:style>
-            <a:lnRef idx="1">
-              <a:schemeClr val="dk1"/>
-            </a:lnRef>
-            <a:fillRef idx="0">
-              <a:schemeClr val="dk1"/>
-            </a:fillRef>
-            <a:effectRef idx="0">
-              <a:schemeClr val="dk1"/>
-            </a:effectRef>
-            <a:fontRef idx="minor">
-              <a:schemeClr val="tx1"/>
-            </a:fontRef>
-          </p:style>
-        </p:cxnSp>
-        <p:sp>
-          <p:nvSpPr>
-            <p:cNvPr id="70" name="流程图: 决策 69"/>
-            <p:cNvSpPr/>
-            <p:nvPr/>
-          </p:nvSpPr>
-          <p:spPr>
-            <a:xfrm>
-              <a:off x="6003" y="6467"/>
-              <a:ext cx="3290" cy="1050"/>
-            </a:xfrm>
-            <a:prstGeom prst="flowChartDecision">
-              <a:avLst/>
-            </a:prstGeom>
-            <a:solidFill>
-              <a:schemeClr val="bg1"/>
-            </a:solidFill>
-            <a:ln>
-              <a:solidFill>
-                <a:schemeClr val="tx1"/>
-              </a:solidFill>
-            </a:ln>
-          </p:spPr>
-          <p:style>
-            <a:lnRef idx="2">
-              <a:schemeClr val="dk1">
-                <a:shade val="50000"/>
-              </a:schemeClr>
-            </a:lnRef>
-            <a:fillRef idx="1">
-              <a:schemeClr val="dk1"/>
-            </a:fillRef>
-            <a:effectRef idx="0">
-              <a:schemeClr val="dk1"/>
-            </a:effectRef>
-            <a:fontRef idx="minor">
-              <a:schemeClr val="lt1"/>
-            </a:fontRef>
-          </p:style>
-          <p:txBody>
-            <a:bodyPr rtlCol="0" anchor="ctr">
-              <a:scene3d>
-                <a:camera prst="orthographicFront"/>
-                <a:lightRig rig="threePt" dir="t"/>
-              </a:scene3d>
-            </a:bodyPr>
-            <a:p>
-              <a:pPr algn="ctr"/>
-              <a:r>
-                <a:rPr lang="en-US" altLang="zh-CN">
-                  <a:solidFill>
-                    <a:schemeClr val="tx1"/>
-                  </a:solidFill>
-                  <a:effectLst>
-                    <a:outerShdw blurRad="38100" dist="19050" dir="2700000" algn="tl" rotWithShape="0">
-                      <a:schemeClr val="dk1">
-                        <a:alpha val="40000"/>
-                      </a:schemeClr>
-                    </a:outerShdw>
-                  </a:effectLst>
-                </a:rPr>
-                <a:t>result==</a:t>
-              </a:r>
-              <a:endParaRPr lang="en-US" altLang="zh-CN">
-                <a:solidFill>
-                  <a:schemeClr val="tx1"/>
-                </a:solidFill>
-                <a:effectLst>
-                  <a:outerShdw blurRad="38100" dist="19050" dir="2700000" algn="tl" rotWithShape="0">
-                    <a:schemeClr val="dk1">
-                      <a:alpha val="40000"/>
-                    </a:schemeClr>
-                  </a:outerShdw>
-                </a:effectLst>
-              </a:endParaRPr>
-            </a:p>
-            <a:p>
-              <a:pPr algn="ctr"/>
-              <a:r>
-                <a:rPr lang="en-US" altLang="zh-CN">
-                  <a:solidFill>
-                    <a:schemeClr val="tx1"/>
-                  </a:solidFill>
-                  <a:effectLst>
-                    <a:outerShdw blurRad="38100" dist="19050" dir="2700000" algn="tl" rotWithShape="0">
-                      <a:schemeClr val="dk1">
-                        <a:alpha val="40000"/>
-                      </a:schemeClr>
-                    </a:outerShdw>
-                  </a:effectLst>
-                </a:rPr>
-                <a:t>""</a:t>
-              </a:r>
-              <a:endParaRPr lang="en-US" altLang="zh-CN">
-                <a:solidFill>
-                  <a:schemeClr val="tx1"/>
-                </a:solidFill>
-                <a:effectLst>
-                  <a:outerShdw blurRad="38100" dist="19050" dir="2700000" algn="tl" rotWithShape="0">
-                    <a:schemeClr val="dk1">
-                      <a:alpha val="40000"/>
-                    </a:schemeClr>
-                  </a:outerShdw>
-                </a:effectLst>
-              </a:endParaRPr>
-            </a:p>
-          </p:txBody>
-        </p:sp>
-        <p:sp>
-          <p:nvSpPr>
-            <p:cNvPr id="71" name="矩形 70"/>
-            <p:cNvSpPr/>
-            <p:nvPr/>
-          </p:nvSpPr>
-          <p:spPr>
-            <a:xfrm>
-              <a:off x="6000" y="9133"/>
-              <a:ext cx="3291" cy="559"/>
-            </a:xfrm>
-            <a:prstGeom prst="rect">
-              <a:avLst/>
-            </a:prstGeom>
-            <a:ln>
-              <a:solidFill>
-                <a:schemeClr val="tx1"/>
-              </a:solidFill>
-            </a:ln>
-          </p:spPr>
-          <p:style>
-            <a:lnRef idx="2">
-              <a:schemeClr val="accent6"/>
-            </a:lnRef>
-            <a:fillRef idx="1">
-              <a:schemeClr val="lt1"/>
-            </a:fillRef>
-            <a:effectRef idx="0">
-              <a:schemeClr val="accent6"/>
-            </a:effectRef>
-            <a:fontRef idx="minor">
-              <a:schemeClr val="dk1"/>
-            </a:fontRef>
-          </p:style>
-          <p:txBody>
-            <a:bodyPr rtlCol="0" anchor="ctr"/>
-            <a:p>
-              <a:pPr algn="ctr"/>
-              <a:r>
-                <a:rPr lang="en-US" altLang="zh-CN"/>
-                <a:t>result</a:t>
-              </a:r>
-              <a:r>
-                <a:rPr lang="ja-JP" altLang="en-US"/>
-                <a:t>出力</a:t>
-              </a:r>
-              <a:endParaRPr lang="ja-JP" altLang="en-US"/>
-            </a:p>
-          </p:txBody>
-        </p:sp>
-        <p:sp>
-          <p:nvSpPr>
-            <p:cNvPr id="72" name="圆角矩形 71"/>
-            <p:cNvSpPr/>
-            <p:nvPr/>
-          </p:nvSpPr>
-          <p:spPr>
-            <a:xfrm>
-              <a:off x="6002" y="10104"/>
-              <a:ext cx="3290" cy="431"/>
-            </a:xfrm>
-            <a:prstGeom prst="roundRect">
-              <a:avLst/>
-            </a:prstGeom>
-            <a:solidFill>
-              <a:schemeClr val="bg1"/>
-            </a:solidFill>
-            <a:ln>
-              <a:solidFill>
-                <a:schemeClr val="tx1"/>
-              </a:solidFill>
-            </a:ln>
-          </p:spPr>
-          <p:style>
-            <a:lnRef idx="2">
-              <a:schemeClr val="accent1">
-                <a:shade val="50000"/>
-              </a:schemeClr>
-            </a:lnRef>
-            <a:fillRef idx="1">
-              <a:schemeClr val="accent1"/>
-            </a:fillRef>
-            <a:effectRef idx="0">
-              <a:schemeClr val="accent1"/>
-            </a:effectRef>
-            <a:fontRef idx="minor">
-              <a:schemeClr val="lt1"/>
-            </a:fontRef>
-          </p:style>
-          <p:txBody>
-            <a:bodyPr rtlCol="0" anchor="ctr"/>
-            <a:p>
-              <a:pPr algn="ctr"/>
-              <a:r>
-                <a:rPr lang="ja-JP" altLang="en-US">
-                  <a:solidFill>
-                    <a:schemeClr val="tx1"/>
-                  </a:solidFill>
-                  <a:sym typeface="+mn-ea"/>
-                </a:rPr>
-                <a:t>calculateおわり</a:t>
-              </a:r>
-              <a:endParaRPr lang="ja-JP" altLang="en-US">
-                <a:solidFill>
-                  <a:schemeClr val="tx1"/>
-                </a:solidFill>
-                <a:sym typeface="+mn-ea"/>
-              </a:endParaRPr>
-            </a:p>
-          </p:txBody>
-        </p:sp>
-        <p:cxnSp>
-          <p:nvCxnSpPr>
-            <p:cNvPr id="73" name="直接箭头连接符 72"/>
-            <p:cNvCxnSpPr>
-              <a:stCxn id="70" idx="2"/>
-              <a:endCxn id="71" idx="0"/>
-            </p:cNvCxnSpPr>
-            <p:nvPr/>
-          </p:nvCxnSpPr>
-          <p:spPr>
-            <a:xfrm flipH="1">
-              <a:off x="7646" y="7517"/>
-              <a:ext cx="2" cy="1616"/>
-            </a:xfrm>
-            <a:prstGeom prst="straightConnector1">
-              <a:avLst/>
-            </a:prstGeom>
-            <a:ln>
-              <a:tailEnd type="arrow" w="med" len="med"/>
-            </a:ln>
-          </p:spPr>
-          <p:style>
-            <a:lnRef idx="1">
-              <a:schemeClr val="dk1"/>
-            </a:lnRef>
-            <a:fillRef idx="0">
-              <a:schemeClr val="dk1"/>
-            </a:fillRef>
-            <a:effectRef idx="0">
-              <a:schemeClr val="dk1"/>
-            </a:effectRef>
-            <a:fontRef idx="minor">
-              <a:schemeClr val="tx1"/>
-            </a:fontRef>
-          </p:style>
-        </p:cxnSp>
-        <p:cxnSp>
-          <p:nvCxnSpPr>
-            <p:cNvPr id="74" name="直接箭头连接符 73"/>
-            <p:cNvCxnSpPr>
-              <a:stCxn id="71" idx="2"/>
-              <a:endCxn id="72" idx="0"/>
-            </p:cNvCxnSpPr>
-            <p:nvPr/>
-          </p:nvCxnSpPr>
-          <p:spPr>
-            <a:xfrm>
-              <a:off x="7646" y="9692"/>
-              <a:ext cx="1" cy="412"/>
-            </a:xfrm>
-            <a:prstGeom prst="straightConnector1">
-              <a:avLst/>
-            </a:prstGeom>
-            <a:ln>
-              <a:tailEnd type="arrow" w="med" len="med"/>
-            </a:ln>
-          </p:spPr>
-          <p:style>
-            <a:lnRef idx="1">
-              <a:schemeClr val="dk1"/>
-            </a:lnRef>
-            <a:fillRef idx="0">
-              <a:schemeClr val="dk1"/>
-            </a:fillRef>
-            <a:effectRef idx="0">
-              <a:schemeClr val="dk1"/>
-            </a:effectRef>
-            <a:fontRef idx="minor">
-              <a:schemeClr val="tx1"/>
-            </a:fontRef>
-          </p:style>
-        </p:cxnSp>
-        <p:sp>
-          <p:nvSpPr>
-            <p:cNvPr id="14" name="流程图: 决策 13"/>
-            <p:cNvSpPr/>
-            <p:nvPr/>
-          </p:nvSpPr>
-          <p:spPr>
-            <a:xfrm>
-              <a:off x="11193" y="5227"/>
-              <a:ext cx="3290" cy="1050"/>
-            </a:xfrm>
-            <a:prstGeom prst="flowChartDecision">
-              <a:avLst/>
-            </a:prstGeom>
-            <a:solidFill>
-              <a:schemeClr val="bg1"/>
-            </a:solidFill>
-            <a:ln>
-              <a:solidFill>
-                <a:schemeClr val="tx1"/>
-              </a:solidFill>
-            </a:ln>
-          </p:spPr>
-          <p:style>
-            <a:lnRef idx="2">
-              <a:schemeClr val="dk1">
-                <a:shade val="50000"/>
-              </a:schemeClr>
-            </a:lnRef>
-            <a:fillRef idx="1">
-              <a:schemeClr val="dk1"/>
-            </a:fillRef>
-            <a:effectRef idx="0">
-              <a:schemeClr val="dk1"/>
-            </a:effectRef>
-            <a:fontRef idx="minor">
-              <a:schemeClr val="lt1"/>
-            </a:fontRef>
-          </p:style>
-          <p:txBody>
-            <a:bodyPr rtlCol="0" anchor="ctr">
-              <a:scene3d>
-                <a:camera prst="orthographicFront"/>
-                <a:lightRig rig="threePt" dir="t"/>
-              </a:scene3d>
-            </a:bodyPr>
-            <a:p>
-              <a:pPr algn="ctr"/>
-              <a:r>
-                <a:rPr lang="en-US" altLang="zh-CN">
-                  <a:solidFill>
-                    <a:schemeClr val="tx1"/>
-                  </a:solidFill>
-                  <a:effectLst>
-                    <a:outerShdw blurRad="38100" dist="19050" dir="2700000" algn="tl" rotWithShape="0">
-                      <a:schemeClr val="dk1">
-                        <a:alpha val="40000"/>
-                      </a:schemeClr>
-                    </a:outerShdw>
-                  </a:effectLst>
-                </a:rPr>
-                <a:t>type==</a:t>
-              </a:r>
-              <a:endParaRPr lang="en-US" altLang="zh-CN">
-                <a:solidFill>
-                  <a:schemeClr val="tx1"/>
-                </a:solidFill>
-                <a:effectLst>
-                  <a:outerShdw blurRad="38100" dist="19050" dir="2700000" algn="tl" rotWithShape="0">
-                    <a:schemeClr val="dk1">
-                      <a:alpha val="40000"/>
-                    </a:schemeClr>
-                  </a:outerShdw>
-                </a:effectLst>
-              </a:endParaRPr>
-            </a:p>
-            <a:p>
-              <a:pPr algn="ctr"/>
-              <a:r>
-                <a:rPr lang="en-US" altLang="zh-CN">
-                  <a:solidFill>
-                    <a:schemeClr val="tx1"/>
-                  </a:solidFill>
-                  <a:effectLst>
-                    <a:outerShdw blurRad="38100" dist="19050" dir="2700000" algn="tl" rotWithShape="0">
-                      <a:schemeClr val="dk1">
-                        <a:alpha val="40000"/>
-                      </a:schemeClr>
-                    </a:outerShdw>
-                  </a:effectLst>
-                </a:rPr>
-                <a:t>"plus"</a:t>
-              </a:r>
-              <a:endParaRPr lang="en-US" altLang="zh-CN">
-                <a:solidFill>
-                  <a:schemeClr val="tx1"/>
-                </a:solidFill>
-                <a:effectLst>
-                  <a:outerShdw blurRad="38100" dist="19050" dir="2700000" algn="tl" rotWithShape="0">
-                    <a:schemeClr val="dk1">
-                      <a:alpha val="40000"/>
-                    </a:schemeClr>
-                  </a:outerShdw>
-                </a:effectLst>
-              </a:endParaRPr>
-            </a:p>
-          </p:txBody>
-        </p:sp>
-        <p:sp>
-          <p:nvSpPr>
-            <p:cNvPr id="22" name="流程图: 决策 21"/>
-            <p:cNvSpPr/>
-            <p:nvPr/>
-          </p:nvSpPr>
-          <p:spPr>
-            <a:xfrm>
-              <a:off x="11191" y="6552"/>
-              <a:ext cx="3292" cy="1050"/>
-            </a:xfrm>
-            <a:prstGeom prst="flowChartDecision">
-              <a:avLst/>
-            </a:prstGeom>
-            <a:solidFill>
-              <a:schemeClr val="bg1"/>
-            </a:solidFill>
-            <a:ln>
-              <a:solidFill>
-                <a:schemeClr val="tx1"/>
-              </a:solidFill>
-            </a:ln>
-          </p:spPr>
-          <p:style>
-            <a:lnRef idx="2">
-              <a:schemeClr val="dk1">
-                <a:shade val="50000"/>
-              </a:schemeClr>
-            </a:lnRef>
-            <a:fillRef idx="1">
-              <a:schemeClr val="dk1"/>
-            </a:fillRef>
-            <a:effectRef idx="0">
-              <a:schemeClr val="dk1"/>
-            </a:effectRef>
-            <a:fontRef idx="minor">
-              <a:schemeClr val="lt1"/>
-            </a:fontRef>
-          </p:style>
-          <p:txBody>
-            <a:bodyPr rtlCol="0" anchor="ctr">
-              <a:scene3d>
-                <a:camera prst="orthographicFront"/>
-                <a:lightRig rig="threePt" dir="t"/>
-              </a:scene3d>
-            </a:bodyPr>
-            <a:p>
-              <a:pPr algn="ctr"/>
-              <a:r>
-                <a:rPr lang="en-US" altLang="zh-CN">
-                  <a:solidFill>
-                    <a:schemeClr val="tx1"/>
-                  </a:solidFill>
-                  <a:effectLst>
-                    <a:outerShdw blurRad="38100" dist="19050" dir="2700000" algn="tl" rotWithShape="0">
-                      <a:schemeClr val="dk1">
-                        <a:alpha val="40000"/>
-                      </a:schemeClr>
-                    </a:outerShdw>
-                  </a:effectLst>
-                  <a:sym typeface="+mn-ea"/>
-                </a:rPr>
-                <a:t>i in r</a:t>
-              </a:r>
-              <a:endParaRPr lang="en-US" altLang="zh-CN">
-                <a:solidFill>
-                  <a:schemeClr val="tx1"/>
-                </a:solidFill>
-                <a:effectLst>
-                  <a:outerShdw blurRad="38100" dist="19050" dir="2700000" algn="tl" rotWithShape="0">
-                    <a:schemeClr val="dk1">
-                      <a:alpha val="40000"/>
-                    </a:schemeClr>
-                  </a:outerShdw>
-                </a:effectLst>
-              </a:endParaRPr>
-            </a:p>
-          </p:txBody>
-        </p:sp>
-        <p:sp>
-          <p:nvSpPr>
-            <p:cNvPr id="27" name="矩形 26"/>
-            <p:cNvSpPr/>
-            <p:nvPr/>
-          </p:nvSpPr>
-          <p:spPr>
-            <a:xfrm>
-              <a:off x="11190" y="7914"/>
-              <a:ext cx="3291" cy="559"/>
-            </a:xfrm>
-            <a:prstGeom prst="rect">
-              <a:avLst/>
-            </a:prstGeom>
-            <a:ln>
-              <a:solidFill>
-                <a:schemeClr val="tx1"/>
-              </a:solidFill>
-            </a:ln>
-          </p:spPr>
-          <p:style>
-            <a:lnRef idx="2">
-              <a:schemeClr val="accent6"/>
-            </a:lnRef>
-            <a:fillRef idx="1">
-              <a:schemeClr val="lt1"/>
-            </a:fillRef>
-            <a:effectRef idx="0">
-              <a:schemeClr val="accent6"/>
-            </a:effectRef>
-            <a:fontRef idx="minor">
-              <a:schemeClr val="dk1"/>
-            </a:fontRef>
-          </p:style>
-          <p:txBody>
-            <a:bodyPr rtlCol="0" anchor="ctr"/>
-            <a:p>
-              <a:pPr algn="ctr"/>
-              <a:r>
-                <a:rPr lang="en-US" altLang="ja-JP"/>
-                <a:t>sum=sum*i</a:t>
-              </a:r>
-              <a:endParaRPr lang="en-US" altLang="ja-JP"/>
-            </a:p>
-          </p:txBody>
-        </p:sp>
-        <p:sp>
-          <p:nvSpPr>
-            <p:cNvPr id="30" name="矩形 29"/>
-            <p:cNvSpPr/>
-            <p:nvPr/>
-          </p:nvSpPr>
-          <p:spPr>
-            <a:xfrm>
-              <a:off x="11191" y="8761"/>
-              <a:ext cx="3291" cy="559"/>
-            </a:xfrm>
-            <a:prstGeom prst="rect">
-              <a:avLst/>
-            </a:prstGeom>
-            <a:ln>
-              <a:solidFill>
-                <a:schemeClr val="tx1"/>
-              </a:solidFill>
-            </a:ln>
-          </p:spPr>
-          <p:style>
-            <a:lnRef idx="2">
-              <a:schemeClr val="accent6"/>
-            </a:lnRef>
-            <a:fillRef idx="1">
-              <a:schemeClr val="lt1"/>
-            </a:fillRef>
-            <a:effectRef idx="0">
-              <a:schemeClr val="accent6"/>
-            </a:effectRef>
-            <a:fontRef idx="minor">
-              <a:schemeClr val="dk1"/>
-            </a:fontRef>
-          </p:style>
-          <p:txBody>
-            <a:bodyPr rtlCol="0" anchor="ctr"/>
-            <a:p>
-              <a:pPr algn="ctr"/>
-              <a:r>
-                <a:rPr lang="en-US" altLang="ja-JP"/>
-                <a:t>i++</a:t>
-              </a:r>
-              <a:endParaRPr lang="en-US" altLang="ja-JP"/>
-            </a:p>
-          </p:txBody>
-        </p:sp>
-        <p:cxnSp>
-          <p:nvCxnSpPr>
-            <p:cNvPr id="35" name="直接箭头连接符 34"/>
-            <p:cNvCxnSpPr>
-              <a:stCxn id="22" idx="2"/>
-              <a:endCxn id="27" idx="0"/>
-            </p:cNvCxnSpPr>
-            <p:nvPr/>
-          </p:nvCxnSpPr>
-          <p:spPr>
-            <a:xfrm flipH="1">
-              <a:off x="12836" y="7602"/>
-              <a:ext cx="1" cy="312"/>
-            </a:xfrm>
-            <a:prstGeom prst="straightConnector1">
-              <a:avLst/>
-            </a:prstGeom>
-            <a:ln>
-              <a:tailEnd type="arrow" w="med" len="med"/>
-            </a:ln>
-          </p:spPr>
-          <p:style>
-            <a:lnRef idx="1">
-              <a:schemeClr val="dk1"/>
-            </a:lnRef>
-            <a:fillRef idx="0">
-              <a:schemeClr val="dk1"/>
-            </a:fillRef>
-            <a:effectRef idx="0">
-              <a:schemeClr val="dk1"/>
-            </a:effectRef>
-            <a:fontRef idx="minor">
-              <a:schemeClr val="tx1"/>
-            </a:fontRef>
-          </p:style>
-        </p:cxnSp>
-        <p:cxnSp>
-          <p:nvCxnSpPr>
-            <p:cNvPr id="36" name="直接箭头连接符 35"/>
-            <p:cNvCxnSpPr>
-              <a:stCxn id="27" idx="2"/>
-              <a:endCxn id="30" idx="0"/>
-            </p:cNvCxnSpPr>
-            <p:nvPr/>
-          </p:nvCxnSpPr>
-          <p:spPr>
-            <a:xfrm>
-              <a:off x="12836" y="8473"/>
-              <a:ext cx="1" cy="288"/>
-            </a:xfrm>
-            <a:prstGeom prst="straightConnector1">
-              <a:avLst/>
-            </a:prstGeom>
-            <a:ln>
-              <a:tailEnd type="arrow" w="med" len="med"/>
-            </a:ln>
-          </p:spPr>
-          <p:style>
-            <a:lnRef idx="1">
-              <a:schemeClr val="dk1"/>
-            </a:lnRef>
-            <a:fillRef idx="0">
-              <a:schemeClr val="dk1"/>
-            </a:fillRef>
-            <a:effectRef idx="0">
-              <a:schemeClr val="dk1"/>
-            </a:effectRef>
-            <a:fontRef idx="minor">
-              <a:schemeClr val="tx1"/>
-            </a:fontRef>
-          </p:style>
-        </p:cxnSp>
-        <p:sp>
-          <p:nvSpPr>
-            <p:cNvPr id="48" name="流程图: 决策 47"/>
-            <p:cNvSpPr/>
-            <p:nvPr/>
-          </p:nvSpPr>
-          <p:spPr>
-            <a:xfrm>
-              <a:off x="14888" y="6077"/>
-              <a:ext cx="3290" cy="1050"/>
-            </a:xfrm>
-            <a:prstGeom prst="flowChartDecision">
-              <a:avLst/>
-            </a:prstGeom>
-            <a:solidFill>
-              <a:schemeClr val="bg1"/>
-            </a:solidFill>
-            <a:ln>
-              <a:solidFill>
-                <a:schemeClr val="tx1"/>
-              </a:solidFill>
-            </a:ln>
-          </p:spPr>
-          <p:style>
-            <a:lnRef idx="2">
-              <a:schemeClr val="dk1">
-                <a:shade val="50000"/>
-              </a:schemeClr>
-            </a:lnRef>
-            <a:fillRef idx="1">
-              <a:schemeClr val="dk1"/>
-            </a:fillRef>
-            <a:effectRef idx="0">
-              <a:schemeClr val="dk1"/>
-            </a:effectRef>
-            <a:fontRef idx="minor">
-              <a:schemeClr val="lt1"/>
-            </a:fontRef>
-          </p:style>
-          <p:txBody>
-            <a:bodyPr rtlCol="0" anchor="ctr">
-              <a:scene3d>
-                <a:camera prst="orthographicFront"/>
-                <a:lightRig rig="threePt" dir="t"/>
-              </a:scene3d>
-            </a:bodyPr>
-            <a:p>
-              <a:pPr algn="ctr"/>
-              <a:r>
-                <a:rPr lang="ja-JP" altLang="en-US">
-                  <a:solidFill>
-                    <a:schemeClr val="tx1"/>
-                  </a:solidFill>
-                  <a:effectLst>
-                    <a:outerShdw blurRad="38100" dist="19050" dir="2700000" algn="tl" rotWithShape="0">
-                      <a:schemeClr val="dk1">
-                        <a:alpha val="40000"/>
-                      </a:schemeClr>
-                    </a:outerShdw>
-                  </a:effectLst>
-                </a:rPr>
-                <a:t>他の</a:t>
-              </a:r>
-              <a:r>
-                <a:rPr lang="en-US" altLang="ja-JP">
-                  <a:solidFill>
-                    <a:schemeClr val="tx1"/>
-                  </a:solidFill>
-                  <a:effectLst>
-                    <a:outerShdw blurRad="38100" dist="19050" dir="2700000" algn="tl" rotWithShape="0">
-                      <a:schemeClr val="dk1">
-                        <a:alpha val="40000"/>
-                      </a:schemeClr>
-                    </a:outerShdw>
-                  </a:effectLst>
-                </a:rPr>
-                <a:t>type</a:t>
-              </a:r>
-              <a:endParaRPr lang="en-US" altLang="ja-JP">
-                <a:solidFill>
-                  <a:schemeClr val="tx1"/>
-                </a:solidFill>
-                <a:effectLst>
-                  <a:outerShdw blurRad="38100" dist="19050" dir="2700000" algn="tl" rotWithShape="0">
-                    <a:schemeClr val="dk1">
-                      <a:alpha val="40000"/>
-                    </a:schemeClr>
-                  </a:outerShdw>
-                </a:effectLst>
-              </a:endParaRPr>
-            </a:p>
-          </p:txBody>
-        </p:sp>
-        <p:sp>
-          <p:nvSpPr>
-            <p:cNvPr id="49" name="矩形 48"/>
-            <p:cNvSpPr/>
-            <p:nvPr/>
-          </p:nvSpPr>
-          <p:spPr>
-            <a:xfrm>
-              <a:off x="14887" y="8768"/>
-              <a:ext cx="3291" cy="559"/>
-            </a:xfrm>
-            <a:prstGeom prst="rect">
-              <a:avLst/>
-            </a:prstGeom>
-            <a:ln>
-              <a:solidFill>
-                <a:schemeClr val="tx1"/>
-              </a:solidFill>
-            </a:ln>
-          </p:spPr>
-          <p:style>
-            <a:lnRef idx="2">
-              <a:schemeClr val="accent6"/>
-            </a:lnRef>
-            <a:fillRef idx="1">
-              <a:schemeClr val="lt1"/>
-            </a:fillRef>
-            <a:effectRef idx="0">
-              <a:schemeClr val="accent6"/>
-            </a:effectRef>
-            <a:fontRef idx="minor">
-              <a:schemeClr val="dk1"/>
-            </a:fontRef>
-          </p:style>
-          <p:txBody>
-            <a:bodyPr rtlCol="0" anchor="ctr"/>
-            <a:p>
-              <a:pPr algn="ctr"/>
-              <a:r>
-                <a:rPr lang="en-US">
-                  <a:sym typeface="+mn-ea"/>
-                </a:rPr>
-                <a:t>print</a:t>
-              </a:r>
-              <a:endParaRPr lang="en-US"/>
-            </a:p>
-          </p:txBody>
-        </p:sp>
-        <p:cxnSp>
-          <p:nvCxnSpPr>
-            <p:cNvPr id="53" name="肘形连接符 52"/>
-            <p:cNvCxnSpPr>
-              <a:stCxn id="14" idx="3"/>
-              <a:endCxn id="48" idx="0"/>
-            </p:cNvCxnSpPr>
-            <p:nvPr/>
-          </p:nvCxnSpPr>
-          <p:spPr>
-            <a:xfrm>
-              <a:off x="14483" y="5752"/>
-              <a:ext cx="2050" cy="325"/>
-            </a:xfrm>
-            <a:prstGeom prst="bentConnector2">
-              <a:avLst/>
-            </a:prstGeom>
-            <a:ln>
-              <a:tailEnd type="arrow" w="med" len="med"/>
-            </a:ln>
-          </p:spPr>
-          <p:style>
-            <a:lnRef idx="1">
-              <a:schemeClr val="dk1"/>
-            </a:lnRef>
-            <a:fillRef idx="0">
-              <a:schemeClr val="dk1"/>
-            </a:fillRef>
-            <a:effectRef idx="0">
-              <a:schemeClr val="dk1"/>
-            </a:effectRef>
-            <a:fontRef idx="minor">
-              <a:schemeClr val="tx1"/>
-            </a:fontRef>
-          </p:style>
-        </p:cxnSp>
-        <p:cxnSp>
-          <p:nvCxnSpPr>
-            <p:cNvPr id="55" name="直接箭头连接符 54"/>
-            <p:cNvCxnSpPr>
-              <a:stCxn id="48" idx="2"/>
-              <a:endCxn id="49" idx="0"/>
-            </p:cNvCxnSpPr>
-            <p:nvPr/>
-          </p:nvCxnSpPr>
-          <p:spPr>
-            <a:xfrm>
-              <a:off x="16533" y="7127"/>
-              <a:ext cx="0" cy="1641"/>
-            </a:xfrm>
-            <a:prstGeom prst="straightConnector1">
-              <a:avLst/>
-            </a:prstGeom>
-            <a:ln>
-              <a:tailEnd type="arrow" w="med" len="med"/>
-            </a:ln>
-          </p:spPr>
-          <p:style>
-            <a:lnRef idx="1">
-              <a:schemeClr val="dk1"/>
-            </a:lnRef>
-            <a:fillRef idx="0">
-              <a:schemeClr val="dk1"/>
-            </a:fillRef>
-            <a:effectRef idx="0">
-              <a:schemeClr val="dk1"/>
-            </a:effectRef>
-            <a:fontRef idx="minor">
-              <a:schemeClr val="tx1"/>
-            </a:fontRef>
-          </p:style>
-        </p:cxnSp>
-        <p:cxnSp>
-          <p:nvCxnSpPr>
-            <p:cNvPr id="75" name="直接箭头连接符 74"/>
-            <p:cNvCxnSpPr>
-              <a:stCxn id="14" idx="2"/>
-              <a:endCxn id="22" idx="0"/>
-            </p:cNvCxnSpPr>
-            <p:nvPr/>
-          </p:nvCxnSpPr>
-          <p:spPr>
-            <a:xfrm flipH="1">
-              <a:off x="12837" y="6277"/>
-              <a:ext cx="1" cy="275"/>
-            </a:xfrm>
-            <a:prstGeom prst="straightConnector1">
-              <a:avLst/>
-            </a:prstGeom>
-            <a:ln>
-              <a:tailEnd type="arrow" w="med" len="med"/>
-            </a:ln>
-          </p:spPr>
-          <p:style>
-            <a:lnRef idx="1">
-              <a:schemeClr val="dk1"/>
-            </a:lnRef>
-            <a:fillRef idx="0">
-              <a:schemeClr val="dk1"/>
-            </a:fillRef>
-            <a:effectRef idx="0">
-              <a:schemeClr val="dk1"/>
-            </a:effectRef>
-            <a:fontRef idx="minor">
-              <a:schemeClr val="tx1"/>
-            </a:fontRef>
-          </p:style>
-        </p:cxnSp>
-        <p:sp>
-          <p:nvSpPr>
-            <p:cNvPr id="23" name="矩形 22"/>
-            <p:cNvSpPr/>
-            <p:nvPr/>
-          </p:nvSpPr>
-          <p:spPr>
-            <a:xfrm>
-              <a:off x="1177" y="7867"/>
-              <a:ext cx="3291" cy="559"/>
-            </a:xfrm>
-            <a:prstGeom prst="rect">
-              <a:avLst/>
-            </a:prstGeom>
-            <a:ln>
-              <a:solidFill>
-                <a:schemeClr val="tx1"/>
-              </a:solidFill>
-            </a:ln>
-          </p:spPr>
-          <p:style>
-            <a:lnRef idx="2">
-              <a:schemeClr val="accent6"/>
-            </a:lnRef>
-            <a:fillRef idx="1">
-              <a:schemeClr val="lt1"/>
-            </a:fillRef>
-            <a:effectRef idx="0">
-              <a:schemeClr val="accent6"/>
-            </a:effectRef>
-            <a:fontRef idx="minor">
-              <a:schemeClr val="dk1"/>
-            </a:fontRef>
-          </p:style>
-          <p:txBody>
-            <a:bodyPr rtlCol="0" anchor="ctr"/>
-            <a:p>
-              <a:pPr algn="ctr"/>
-              <a:r>
-                <a:rPr lang="en-US" altLang="ja-JP"/>
-                <a:t>sum=sum+i</a:t>
-              </a:r>
-              <a:endParaRPr lang="en-US" altLang="ja-JP"/>
-            </a:p>
-          </p:txBody>
-        </p:sp>
-        <p:sp>
-          <p:nvSpPr>
-            <p:cNvPr id="24" name="矩形 23"/>
-            <p:cNvSpPr/>
-            <p:nvPr/>
-          </p:nvSpPr>
-          <p:spPr>
-            <a:xfrm>
-              <a:off x="1179" y="9210"/>
-              <a:ext cx="3291" cy="559"/>
-            </a:xfrm>
-            <a:prstGeom prst="rect">
-              <a:avLst/>
-            </a:prstGeom>
-            <a:ln>
-              <a:solidFill>
-                <a:schemeClr val="tx1"/>
-              </a:solidFill>
-            </a:ln>
-          </p:spPr>
-          <p:style>
-            <a:lnRef idx="2">
-              <a:schemeClr val="accent6"/>
-            </a:lnRef>
-            <a:fillRef idx="1">
-              <a:schemeClr val="lt1"/>
-            </a:fillRef>
-            <a:effectRef idx="0">
-              <a:schemeClr val="accent6"/>
-            </a:effectRef>
-            <a:fontRef idx="minor">
-              <a:schemeClr val="dk1"/>
-            </a:fontRef>
-          </p:style>
-          <p:txBody>
-            <a:bodyPr rtlCol="0" anchor="ctr"/>
-            <a:p>
-              <a:pPr algn="ctr"/>
-              <a:r>
-                <a:rPr lang="en-US" altLang="ja-JP"/>
-                <a:t>i++</a:t>
-              </a:r>
-              <a:endParaRPr lang="en-US" altLang="ja-JP"/>
-            </a:p>
-          </p:txBody>
-        </p:sp>
-        <p:cxnSp>
-          <p:nvCxnSpPr>
-            <p:cNvPr id="34" name="直接箭头连接符 33"/>
-            <p:cNvCxnSpPr>
-              <a:stCxn id="23" idx="2"/>
-              <a:endCxn id="24" idx="0"/>
-            </p:cNvCxnSpPr>
-            <p:nvPr/>
-          </p:nvCxnSpPr>
-          <p:spPr>
-            <a:xfrm>
-              <a:off x="2823" y="8426"/>
-              <a:ext cx="2" cy="784"/>
-            </a:xfrm>
-            <a:prstGeom prst="straightConnector1">
-              <a:avLst/>
-            </a:prstGeom>
-            <a:ln>
-              <a:tailEnd type="arrow" w="med" len="med"/>
-            </a:ln>
-          </p:spPr>
-          <p:style>
-            <a:lnRef idx="1">
-              <a:schemeClr val="dk1"/>
-            </a:lnRef>
-            <a:fillRef idx="0">
-              <a:schemeClr val="dk1"/>
-            </a:fillRef>
-            <a:effectRef idx="0">
-              <a:schemeClr val="dk1"/>
-            </a:effectRef>
-            <a:fontRef idx="minor">
-              <a:schemeClr val="tx1"/>
-            </a:fontRef>
-          </p:style>
-        </p:cxnSp>
-        <p:sp>
-          <p:nvSpPr>
-            <p:cNvPr id="77" name="流程图: 决策 76"/>
-            <p:cNvSpPr/>
-            <p:nvPr/>
-          </p:nvSpPr>
-          <p:spPr>
-            <a:xfrm>
-              <a:off x="1178" y="4269"/>
-              <a:ext cx="3292" cy="1050"/>
-            </a:xfrm>
-            <a:prstGeom prst="flowChartDecision">
-              <a:avLst/>
-            </a:prstGeom>
-            <a:solidFill>
-              <a:schemeClr val="bg1"/>
-            </a:solidFill>
-            <a:ln>
-              <a:solidFill>
-                <a:schemeClr val="tx1"/>
-              </a:solidFill>
-            </a:ln>
-          </p:spPr>
-          <p:style>
-            <a:lnRef idx="2">
-              <a:schemeClr val="dk1">
-                <a:shade val="50000"/>
-              </a:schemeClr>
-            </a:lnRef>
-            <a:fillRef idx="1">
-              <a:schemeClr val="dk1"/>
-            </a:fillRef>
-            <a:effectRef idx="0">
-              <a:schemeClr val="dk1"/>
-            </a:effectRef>
-            <a:fontRef idx="minor">
-              <a:schemeClr val="lt1"/>
-            </a:fontRef>
-          </p:style>
-          <p:txBody>
-            <a:bodyPr rtlCol="0" anchor="ctr">
-              <a:scene3d>
-                <a:camera prst="orthographicFront"/>
-                <a:lightRig rig="threePt" dir="t"/>
-              </a:scene3d>
-            </a:bodyPr>
-            <a:p>
-              <a:pPr algn="ctr"/>
-              <a:r>
-                <a:rPr lang="en-US" altLang="zh-CN">
-                  <a:solidFill>
-                    <a:schemeClr val="tx1"/>
-                  </a:solidFill>
-                  <a:effectLst>
-                    <a:outerShdw blurRad="38100" dist="19050" dir="2700000" algn="tl" rotWithShape="0">
-                      <a:schemeClr val="dk1">
-                        <a:alpha val="40000"/>
-                      </a:schemeClr>
-                    </a:outerShdw>
-                  </a:effectLst>
-                </a:rPr>
-                <a:t>type==</a:t>
-              </a:r>
-              <a:endParaRPr lang="en-US" altLang="zh-CN">
-                <a:solidFill>
-                  <a:schemeClr val="tx1"/>
-                </a:solidFill>
-                <a:effectLst>
-                  <a:outerShdw blurRad="38100" dist="19050" dir="2700000" algn="tl" rotWithShape="0">
-                    <a:schemeClr val="dk1">
-                      <a:alpha val="40000"/>
-                    </a:schemeClr>
-                  </a:outerShdw>
-                </a:effectLst>
-              </a:endParaRPr>
-            </a:p>
-            <a:p>
-              <a:pPr algn="ctr"/>
-              <a:r>
-                <a:rPr lang="en-US" altLang="zh-CN">
-                  <a:solidFill>
-                    <a:schemeClr val="tx1"/>
-                  </a:solidFill>
-                  <a:effectLst>
-                    <a:outerShdw blurRad="38100" dist="19050" dir="2700000" algn="tl" rotWithShape="0">
-                      <a:schemeClr val="dk1">
-                        <a:alpha val="40000"/>
-                      </a:schemeClr>
-                    </a:outerShdw>
-                  </a:effectLst>
-                </a:rPr>
-                <a:t>"add"</a:t>
-              </a:r>
-              <a:endParaRPr lang="en-US" altLang="zh-CN">
-                <a:solidFill>
-                  <a:schemeClr val="tx1"/>
-                </a:solidFill>
-                <a:effectLst>
-                  <a:outerShdw blurRad="38100" dist="19050" dir="2700000" algn="tl" rotWithShape="0">
-                    <a:schemeClr val="dk1">
-                      <a:alpha val="40000"/>
-                    </a:schemeClr>
-                  </a:outerShdw>
-                </a:effectLst>
-              </a:endParaRPr>
-            </a:p>
-          </p:txBody>
-        </p:sp>
-        <p:cxnSp>
-          <p:nvCxnSpPr>
-            <p:cNvPr id="78" name="直接箭头连接符 77"/>
-            <p:cNvCxnSpPr>
-              <a:stCxn id="77" idx="2"/>
-              <a:endCxn id="79" idx="0"/>
-            </p:cNvCxnSpPr>
-            <p:nvPr/>
-          </p:nvCxnSpPr>
-          <p:spPr>
-            <a:xfrm flipH="1">
-              <a:off x="2823" y="5319"/>
-              <a:ext cx="1" cy="254"/>
-            </a:xfrm>
-            <a:prstGeom prst="straightConnector1">
-              <a:avLst/>
-            </a:prstGeom>
-            <a:ln>
-              <a:tailEnd type="arrow" w="med" len="med"/>
-            </a:ln>
-          </p:spPr>
-          <p:style>
-            <a:lnRef idx="1">
-              <a:schemeClr val="dk1"/>
-            </a:lnRef>
-            <a:fillRef idx="0">
-              <a:schemeClr val="dk1"/>
-            </a:fillRef>
-            <a:effectRef idx="0">
-              <a:schemeClr val="dk1"/>
-            </a:effectRef>
-            <a:fontRef idx="minor">
-              <a:schemeClr val="tx1"/>
-            </a:fontRef>
-          </p:style>
-        </p:cxnSp>
-        <p:sp>
-          <p:nvSpPr>
-            <p:cNvPr id="79" name="流程图: 决策 78"/>
-            <p:cNvSpPr/>
-            <p:nvPr/>
-          </p:nvSpPr>
-          <p:spPr>
-            <a:xfrm>
-              <a:off x="1177" y="5573"/>
-              <a:ext cx="3292" cy="1050"/>
-            </a:xfrm>
-            <a:prstGeom prst="flowChartDecision">
-              <a:avLst/>
-            </a:prstGeom>
-            <a:solidFill>
-              <a:schemeClr val="bg1"/>
-            </a:solidFill>
-            <a:ln>
-              <a:solidFill>
-                <a:schemeClr val="tx1"/>
-              </a:solidFill>
-            </a:ln>
-          </p:spPr>
-          <p:style>
-            <a:lnRef idx="2">
-              <a:schemeClr val="dk1">
-                <a:shade val="50000"/>
-              </a:schemeClr>
-            </a:lnRef>
-            <a:fillRef idx="1">
-              <a:schemeClr val="dk1"/>
-            </a:fillRef>
-            <a:effectRef idx="0">
-              <a:schemeClr val="dk1"/>
-            </a:effectRef>
-            <a:fontRef idx="minor">
-              <a:schemeClr val="lt1"/>
-            </a:fontRef>
-          </p:style>
-          <p:txBody>
-            <a:bodyPr rtlCol="0" anchor="ctr">
-              <a:scene3d>
-                <a:camera prst="orthographicFront"/>
-                <a:lightRig rig="threePt" dir="t"/>
-              </a:scene3d>
-            </a:bodyPr>
-            <a:p>
-              <a:pPr algn="ctr"/>
-              <a:r>
-                <a:rPr lang="en-US" altLang="zh-CN">
-                  <a:solidFill>
-                    <a:schemeClr val="tx1"/>
-                  </a:solidFill>
-                  <a:effectLst>
-                    <a:outerShdw blurRad="38100" dist="19050" dir="2700000" algn="tl" rotWithShape="0">
-                      <a:schemeClr val="dk1">
-                        <a:alpha val="40000"/>
-                      </a:schemeClr>
-                    </a:outerShdw>
-                  </a:effectLst>
-                </a:rPr>
-                <a:t>i in r</a:t>
-              </a:r>
-              <a:endParaRPr lang="en-US" altLang="zh-CN">
-                <a:solidFill>
-                  <a:schemeClr val="tx1"/>
-                </a:solidFill>
-                <a:effectLst>
-                  <a:outerShdw blurRad="38100" dist="19050" dir="2700000" algn="tl" rotWithShape="0">
-                    <a:schemeClr val="dk1">
-                      <a:alpha val="40000"/>
-                    </a:schemeClr>
-                  </a:outerShdw>
-                </a:effectLst>
-              </a:endParaRPr>
-            </a:p>
-          </p:txBody>
-        </p:sp>
-        <p:cxnSp>
-          <p:nvCxnSpPr>
-            <p:cNvPr id="80" name="直接箭头连接符 79"/>
-            <p:cNvCxnSpPr>
-              <a:stCxn id="79" idx="2"/>
-            </p:cNvCxnSpPr>
-            <p:nvPr/>
-          </p:nvCxnSpPr>
-          <p:spPr>
-            <a:xfrm>
-              <a:off x="2823" y="6623"/>
-              <a:ext cx="0" cy="1244"/>
-            </a:xfrm>
-            <a:prstGeom prst="straightConnector1">
-              <a:avLst/>
-            </a:prstGeom>
-            <a:ln>
-              <a:tailEnd type="arrow" w="med" len="med"/>
-            </a:ln>
-          </p:spPr>
-          <p:style>
-            <a:lnRef idx="1">
-              <a:schemeClr val="dk1"/>
-            </a:lnRef>
-            <a:fillRef idx="0">
-              <a:schemeClr val="dk1"/>
-            </a:fillRef>
-            <a:effectRef idx="0">
-              <a:schemeClr val="dk1"/>
-            </a:effectRef>
-            <a:fontRef idx="minor">
-              <a:schemeClr val="tx1"/>
-            </a:fontRef>
-          </p:style>
-        </p:cxnSp>
-        <p:cxnSp>
-          <p:nvCxnSpPr>
-            <p:cNvPr id="81" name="肘形连接符 80"/>
-            <p:cNvCxnSpPr>
-              <a:endCxn id="79" idx="1"/>
-            </p:cNvCxnSpPr>
-            <p:nvPr/>
-          </p:nvCxnSpPr>
-          <p:spPr>
-            <a:xfrm rot="5400000" flipH="1">
-              <a:off x="166" y="7110"/>
-              <a:ext cx="3671" cy="1648"/>
-            </a:xfrm>
-            <a:prstGeom prst="bentConnector4">
-              <a:avLst>
-                <a:gd name="adj1" fmla="val -10202"/>
-                <a:gd name="adj2" fmla="val 122785"/>
-              </a:avLst>
-            </a:prstGeom>
-            <a:ln>
-              <a:tailEnd type="arrow" w="med" len="med"/>
-            </a:ln>
-          </p:spPr>
-          <p:style>
-            <a:lnRef idx="1">
-              <a:schemeClr val="dk1"/>
-            </a:lnRef>
-            <a:fillRef idx="0">
-              <a:schemeClr val="dk1"/>
-            </a:fillRef>
-            <a:effectRef idx="0">
-              <a:schemeClr val="dk1"/>
-            </a:effectRef>
-            <a:fontRef idx="minor">
-              <a:schemeClr val="tx1"/>
-            </a:fontRef>
-          </p:style>
-        </p:cxnSp>
-        <p:cxnSp>
-          <p:nvCxnSpPr>
-            <p:cNvPr id="84" name="肘形连接符 83"/>
-            <p:cNvCxnSpPr>
-              <a:stCxn id="79" idx="3"/>
-              <a:endCxn id="70" idx="0"/>
-            </p:cNvCxnSpPr>
-            <p:nvPr/>
-          </p:nvCxnSpPr>
-          <p:spPr>
-            <a:xfrm>
-              <a:off x="4469" y="6098"/>
-              <a:ext cx="3179" cy="369"/>
-            </a:xfrm>
-            <a:prstGeom prst="bentConnector2">
-              <a:avLst/>
-            </a:prstGeom>
-            <a:ln>
-              <a:tailEnd type="arrow" w="med" len="med"/>
-            </a:ln>
-          </p:spPr>
-          <p:style>
-            <a:lnRef idx="1">
-              <a:schemeClr val="dk1"/>
-            </a:lnRef>
-            <a:fillRef idx="0">
-              <a:schemeClr val="dk1"/>
-            </a:fillRef>
-            <a:effectRef idx="0">
-              <a:schemeClr val="dk1"/>
-            </a:effectRef>
-            <a:fontRef idx="minor">
-              <a:schemeClr val="tx1"/>
-            </a:fontRef>
-          </p:style>
-        </p:cxnSp>
-        <p:cxnSp>
-          <p:nvCxnSpPr>
-            <p:cNvPr id="85" name="肘形连接符 84"/>
-            <p:cNvCxnSpPr>
-              <a:stCxn id="48" idx="3"/>
-            </p:cNvCxnSpPr>
-            <p:nvPr/>
-          </p:nvCxnSpPr>
-          <p:spPr>
-            <a:xfrm>
-              <a:off x="18178" y="6602"/>
-              <a:ext cx="554" cy="4054"/>
-            </a:xfrm>
-            <a:prstGeom prst="bentConnector2">
-              <a:avLst/>
-            </a:prstGeom>
-          </p:spPr>
-          <p:style>
-            <a:lnRef idx="1">
-              <a:schemeClr val="dk1"/>
-            </a:lnRef>
-            <a:fillRef idx="0">
-              <a:schemeClr val="dk1"/>
-            </a:fillRef>
-            <a:effectRef idx="0">
-              <a:schemeClr val="dk1"/>
-            </a:effectRef>
-            <a:fontRef idx="minor">
-              <a:schemeClr val="tx1"/>
-            </a:fontRef>
-          </p:style>
-        </p:cxnSp>
-        <p:cxnSp>
-          <p:nvCxnSpPr>
-            <p:cNvPr id="86" name="肘形连接符 85"/>
-            <p:cNvCxnSpPr/>
-            <p:nvPr/>
-          </p:nvCxnSpPr>
-          <p:spPr>
-            <a:xfrm>
-              <a:off x="9641" y="6100"/>
-              <a:ext cx="9095" cy="4551"/>
-            </a:xfrm>
-            <a:prstGeom prst="bentConnector3">
-              <a:avLst>
-                <a:gd name="adj1" fmla="val 3298"/>
-              </a:avLst>
-            </a:prstGeom>
-          </p:spPr>
-          <p:style>
-            <a:lnRef idx="1">
-              <a:schemeClr val="dk1"/>
-            </a:lnRef>
-            <a:fillRef idx="0">
-              <a:schemeClr val="dk1"/>
-            </a:fillRef>
-            <a:effectRef idx="0">
-              <a:schemeClr val="dk1"/>
-            </a:effectRef>
-            <a:fontRef idx="minor">
-              <a:schemeClr val="tx1"/>
-            </a:fontRef>
-          </p:style>
-        </p:cxnSp>
-        <p:cxnSp>
-          <p:nvCxnSpPr>
-            <p:cNvPr id="89" name="肘形连接符 88"/>
-            <p:cNvCxnSpPr>
-              <a:stCxn id="7" idx="3"/>
-            </p:cNvCxnSpPr>
-            <p:nvPr/>
-          </p:nvCxnSpPr>
-          <p:spPr>
-            <a:xfrm>
-              <a:off x="8209" y="2417"/>
-              <a:ext cx="381" cy="1588"/>
-            </a:xfrm>
-            <a:prstGeom prst="bentConnector2">
-              <a:avLst/>
-            </a:prstGeom>
-          </p:spPr>
-          <p:style>
-            <a:lnRef idx="1">
-              <a:schemeClr val="dk1"/>
-            </a:lnRef>
-            <a:fillRef idx="0">
-              <a:schemeClr val="dk1"/>
-            </a:fillRef>
-            <a:effectRef idx="0">
-              <a:schemeClr val="dk1"/>
-            </a:effectRef>
-            <a:fontRef idx="minor">
-              <a:schemeClr val="tx1"/>
-            </a:fontRef>
-          </p:style>
-        </p:cxnSp>
-        <p:cxnSp>
-          <p:nvCxnSpPr>
-            <p:cNvPr id="91" name="直接箭头连接符 90"/>
-            <p:cNvCxnSpPr/>
-            <p:nvPr/>
-          </p:nvCxnSpPr>
-          <p:spPr>
-            <a:xfrm flipH="1" flipV="1">
-              <a:off x="2830" y="3986"/>
-              <a:ext cx="5759" cy="19"/>
-            </a:xfrm>
-            <a:prstGeom prst="straightConnector1">
-              <a:avLst/>
-            </a:prstGeom>
-            <a:ln>
-              <a:tailEnd type="arrow" w="med" len="med"/>
-            </a:ln>
-          </p:spPr>
-          <p:style>
-            <a:lnRef idx="1">
-              <a:schemeClr val="dk1"/>
-            </a:lnRef>
-            <a:fillRef idx="0">
-              <a:schemeClr val="dk1"/>
-            </a:fillRef>
-            <a:effectRef idx="0">
-              <a:schemeClr val="dk1"/>
-            </a:effectRef>
-            <a:fontRef idx="minor">
-              <a:schemeClr val="tx1"/>
-            </a:fontRef>
-          </p:style>
-        </p:cxnSp>
-        <p:cxnSp>
-          <p:nvCxnSpPr>
-            <p:cNvPr id="92" name="肘形连接符 91"/>
-            <p:cNvCxnSpPr>
-              <a:stCxn id="22" idx="3"/>
-            </p:cNvCxnSpPr>
-            <p:nvPr/>
-          </p:nvCxnSpPr>
-          <p:spPr>
-            <a:xfrm>
-              <a:off x="14483" y="7077"/>
-              <a:ext cx="205" cy="2933"/>
-            </a:xfrm>
-            <a:prstGeom prst="bentConnector2">
-              <a:avLst/>
-            </a:prstGeom>
-          </p:spPr>
-          <p:style>
-            <a:lnRef idx="1">
-              <a:schemeClr val="dk1"/>
-            </a:lnRef>
-            <a:fillRef idx="0">
-              <a:schemeClr val="dk1"/>
-            </a:fillRef>
-            <a:effectRef idx="0">
-              <a:schemeClr val="dk1"/>
-            </a:effectRef>
-            <a:fontRef idx="minor">
-              <a:schemeClr val="tx1"/>
-            </a:fontRef>
-          </p:style>
-        </p:cxnSp>
-        <p:cxnSp>
-          <p:nvCxnSpPr>
-            <p:cNvPr id="93" name="肘形连接符 92"/>
-            <p:cNvCxnSpPr/>
-            <p:nvPr/>
-          </p:nvCxnSpPr>
-          <p:spPr>
-            <a:xfrm>
-              <a:off x="10424" y="6097"/>
-              <a:ext cx="4264" cy="3911"/>
-            </a:xfrm>
-            <a:prstGeom prst="bentConnector3">
-              <a:avLst>
-                <a:gd name="adj1" fmla="val 3400"/>
-              </a:avLst>
-            </a:prstGeom>
-          </p:spPr>
-          <p:style>
-            <a:lnRef idx="1">
-              <a:schemeClr val="dk1"/>
-            </a:lnRef>
-            <a:fillRef idx="0">
-              <a:schemeClr val="dk1"/>
-            </a:fillRef>
-            <a:effectRef idx="0">
-              <a:schemeClr val="dk1"/>
-            </a:effectRef>
-            <a:fontRef idx="minor">
-              <a:schemeClr val="tx1"/>
-            </a:fontRef>
-          </p:style>
-        </p:cxnSp>
-        <p:cxnSp>
-          <p:nvCxnSpPr>
-            <p:cNvPr id="95" name="肘形连接符 94"/>
-            <p:cNvCxnSpPr/>
-            <p:nvPr/>
-          </p:nvCxnSpPr>
-          <p:spPr>
-            <a:xfrm rot="10800000">
-              <a:off x="9883" y="6090"/>
-              <a:ext cx="548" cy="5"/>
-            </a:xfrm>
-            <a:prstGeom prst="bentConnector2">
-              <a:avLst/>
-            </a:prstGeom>
-          </p:spPr>
-          <p:style>
-            <a:lnRef idx="1">
-              <a:schemeClr val="dk1"/>
-            </a:lnRef>
-            <a:fillRef idx="0">
-              <a:schemeClr val="dk1"/>
-            </a:fillRef>
-            <a:effectRef idx="0">
-              <a:schemeClr val="dk1"/>
-            </a:effectRef>
-            <a:fontRef idx="minor">
-              <a:schemeClr val="tx1"/>
-            </a:fontRef>
-          </p:style>
-        </p:cxnSp>
-        <p:cxnSp>
-          <p:nvCxnSpPr>
-            <p:cNvPr id="96" name="肘形连接符 95"/>
-            <p:cNvCxnSpPr>
-              <a:stCxn id="70" idx="3"/>
-            </p:cNvCxnSpPr>
-            <p:nvPr/>
-          </p:nvCxnSpPr>
-          <p:spPr>
-            <a:xfrm>
-              <a:off x="9293" y="6992"/>
-              <a:ext cx="375" cy="2923"/>
-            </a:xfrm>
-            <a:prstGeom prst="bentConnector2">
-              <a:avLst/>
-            </a:prstGeom>
-          </p:spPr>
-          <p:style>
-            <a:lnRef idx="1">
-              <a:schemeClr val="dk1"/>
-            </a:lnRef>
-            <a:fillRef idx="0">
-              <a:schemeClr val="dk1"/>
-            </a:fillRef>
-            <a:effectRef idx="0">
-              <a:schemeClr val="dk1"/>
-            </a:effectRef>
-            <a:fontRef idx="minor">
-              <a:schemeClr val="tx1"/>
-            </a:fontRef>
-          </p:style>
-        </p:cxnSp>
-        <p:cxnSp>
-          <p:nvCxnSpPr>
-            <p:cNvPr id="97" name="直接箭头连接符 96"/>
-            <p:cNvCxnSpPr/>
-            <p:nvPr/>
-          </p:nvCxnSpPr>
-          <p:spPr>
-            <a:xfrm flipH="1" flipV="1">
-              <a:off x="7668" y="9898"/>
-              <a:ext cx="2001" cy="8"/>
-            </a:xfrm>
-            <a:prstGeom prst="straightConnector1">
-              <a:avLst/>
-            </a:prstGeom>
-            <a:ln>
-              <a:tailEnd type="arrow" w="med" len="med"/>
-            </a:ln>
-          </p:spPr>
-          <p:style>
-            <a:lnRef idx="1">
-              <a:schemeClr val="dk1"/>
-            </a:lnRef>
-            <a:fillRef idx="0">
-              <a:schemeClr val="dk1"/>
-            </a:fillRef>
-            <a:effectRef idx="0">
-              <a:schemeClr val="dk1"/>
-            </a:effectRef>
-            <a:fontRef idx="minor">
-              <a:schemeClr val="tx1"/>
-            </a:fontRef>
-          </p:style>
-        </p:cxnSp>
-        <p:sp>
-          <p:nvSpPr>
-            <p:cNvPr id="98" name="文本框 97"/>
-            <p:cNvSpPr txBox="1"/>
-            <p:nvPr/>
-          </p:nvSpPr>
-          <p:spPr>
-            <a:xfrm>
-              <a:off x="2843" y="2698"/>
-              <a:ext cx="528" cy="580"/>
-            </a:xfrm>
-            <a:prstGeom prst="rect">
-              <a:avLst/>
-            </a:prstGeom>
-            <a:noFill/>
-          </p:spPr>
-          <p:txBody>
-            <a:bodyPr wrap="none" rtlCol="0">
-              <a:spAutoFit/>
-            </a:bodyPr>
-            <a:p>
-              <a:r>
-                <a:rPr lang="en-US" altLang="zh-CN"/>
-                <a:t>Y</a:t>
-              </a:r>
-              <a:endParaRPr lang="en-US" altLang="zh-CN"/>
-            </a:p>
-          </p:txBody>
-        </p:sp>
-        <p:sp>
-          <p:nvSpPr>
-            <p:cNvPr id="99" name="文本框 98"/>
-            <p:cNvSpPr txBox="1"/>
-            <p:nvPr/>
-          </p:nvSpPr>
-          <p:spPr>
-            <a:xfrm>
-              <a:off x="4359" y="1942"/>
-              <a:ext cx="548" cy="580"/>
-            </a:xfrm>
-            <a:prstGeom prst="rect">
-              <a:avLst/>
-            </a:prstGeom>
-            <a:noFill/>
-          </p:spPr>
-          <p:txBody>
-            <a:bodyPr wrap="none" rtlCol="0">
-              <a:spAutoFit/>
-            </a:bodyPr>
-            <a:p>
-              <a:r>
-                <a:rPr lang="en-US" altLang="zh-CN"/>
-                <a:t>N</a:t>
-              </a:r>
-              <a:endParaRPr lang="en-US" altLang="zh-CN"/>
-            </a:p>
-          </p:txBody>
-        </p:sp>
-        <p:sp>
-          <p:nvSpPr>
-            <p:cNvPr id="100" name="文本框 99"/>
-            <p:cNvSpPr txBox="1"/>
-            <p:nvPr/>
-          </p:nvSpPr>
-          <p:spPr>
-            <a:xfrm>
-              <a:off x="2803" y="5164"/>
-              <a:ext cx="528" cy="580"/>
-            </a:xfrm>
-            <a:prstGeom prst="rect">
-              <a:avLst/>
-            </a:prstGeom>
-            <a:noFill/>
-          </p:spPr>
-          <p:txBody>
-            <a:bodyPr wrap="none" rtlCol="0">
-              <a:spAutoFit/>
-            </a:bodyPr>
-            <a:p>
-              <a:r>
-                <a:rPr lang="en-US" altLang="zh-CN"/>
-                <a:t>Y</a:t>
-              </a:r>
-              <a:endParaRPr lang="en-US" altLang="zh-CN"/>
-            </a:p>
-          </p:txBody>
-        </p:sp>
-        <p:sp>
-          <p:nvSpPr>
-            <p:cNvPr id="101" name="文本框 100"/>
-            <p:cNvSpPr txBox="1"/>
-            <p:nvPr/>
-          </p:nvSpPr>
-          <p:spPr>
-            <a:xfrm>
-              <a:off x="4395" y="4317"/>
-              <a:ext cx="548" cy="580"/>
-            </a:xfrm>
-            <a:prstGeom prst="rect">
-              <a:avLst/>
-            </a:prstGeom>
-            <a:noFill/>
-          </p:spPr>
-          <p:txBody>
-            <a:bodyPr wrap="none" rtlCol="0">
-              <a:spAutoFit/>
-            </a:bodyPr>
-            <a:p>
-              <a:r>
-                <a:rPr lang="en-US" altLang="zh-CN"/>
-                <a:t>N</a:t>
-              </a:r>
-              <a:endParaRPr lang="en-US" altLang="zh-CN"/>
-            </a:p>
-          </p:txBody>
-        </p:sp>
-        <p:sp>
-          <p:nvSpPr>
-            <p:cNvPr id="102" name="文本框 101"/>
-            <p:cNvSpPr txBox="1"/>
-            <p:nvPr/>
-          </p:nvSpPr>
-          <p:spPr>
-            <a:xfrm>
-              <a:off x="9201" y="6537"/>
-              <a:ext cx="528" cy="580"/>
-            </a:xfrm>
-            <a:prstGeom prst="rect">
-              <a:avLst/>
-            </a:prstGeom>
-            <a:noFill/>
-          </p:spPr>
-          <p:txBody>
-            <a:bodyPr wrap="none" rtlCol="0">
-              <a:spAutoFit/>
-            </a:bodyPr>
-            <a:p>
-              <a:r>
-                <a:rPr lang="en-US" altLang="zh-CN"/>
-                <a:t>Y</a:t>
-              </a:r>
-              <a:endParaRPr lang="en-US" altLang="zh-CN"/>
-            </a:p>
-          </p:txBody>
-        </p:sp>
-        <p:sp>
-          <p:nvSpPr>
-            <p:cNvPr id="103" name="文本框 102"/>
-            <p:cNvSpPr txBox="1"/>
-            <p:nvPr/>
-          </p:nvSpPr>
-          <p:spPr>
-            <a:xfrm>
-              <a:off x="7578" y="7452"/>
-              <a:ext cx="548" cy="580"/>
-            </a:xfrm>
-            <a:prstGeom prst="rect">
-              <a:avLst/>
-            </a:prstGeom>
-            <a:noFill/>
-          </p:spPr>
-          <p:txBody>
-            <a:bodyPr wrap="none" rtlCol="0">
-              <a:spAutoFit/>
-            </a:bodyPr>
-            <a:p>
-              <a:r>
-                <a:rPr lang="en-US" altLang="zh-CN"/>
-                <a:t>N</a:t>
-              </a:r>
-              <a:endParaRPr lang="en-US" altLang="zh-CN"/>
-            </a:p>
-          </p:txBody>
-        </p:sp>
-        <p:sp>
-          <p:nvSpPr>
-            <p:cNvPr id="104" name="文本框 103"/>
-            <p:cNvSpPr txBox="1"/>
-            <p:nvPr/>
-          </p:nvSpPr>
-          <p:spPr>
-            <a:xfrm>
-              <a:off x="4400" y="5612"/>
-              <a:ext cx="548" cy="580"/>
-            </a:xfrm>
-            <a:prstGeom prst="rect">
-              <a:avLst/>
-            </a:prstGeom>
-            <a:noFill/>
-          </p:spPr>
-          <p:txBody>
-            <a:bodyPr wrap="none" rtlCol="0">
-              <a:spAutoFit/>
-            </a:bodyPr>
-            <a:p>
-              <a:r>
-                <a:rPr lang="en-US" altLang="zh-CN"/>
-                <a:t>N</a:t>
-              </a:r>
-              <a:endParaRPr lang="en-US" altLang="zh-CN"/>
-            </a:p>
-          </p:txBody>
-        </p:sp>
-        <p:sp>
-          <p:nvSpPr>
-            <p:cNvPr id="105" name="文本框 104"/>
-            <p:cNvSpPr txBox="1"/>
-            <p:nvPr/>
-          </p:nvSpPr>
-          <p:spPr>
-            <a:xfrm>
-              <a:off x="14421" y="5284"/>
-              <a:ext cx="548" cy="580"/>
-            </a:xfrm>
-            <a:prstGeom prst="rect">
-              <a:avLst/>
-            </a:prstGeom>
-            <a:noFill/>
-          </p:spPr>
-          <p:txBody>
-            <a:bodyPr wrap="none" rtlCol="0">
-              <a:spAutoFit/>
-            </a:bodyPr>
-            <a:p>
-              <a:r>
-                <a:rPr lang="en-US" altLang="zh-CN"/>
-                <a:t>N</a:t>
-              </a:r>
-              <a:endParaRPr lang="en-US" altLang="zh-CN"/>
-            </a:p>
-          </p:txBody>
-        </p:sp>
-        <p:cxnSp>
-          <p:nvCxnSpPr>
-            <p:cNvPr id="106" name="肘形连接符 105"/>
-            <p:cNvCxnSpPr/>
-            <p:nvPr/>
-          </p:nvCxnSpPr>
-          <p:spPr>
-            <a:xfrm rot="10800000">
-              <a:off x="7517" y="6092"/>
-              <a:ext cx="2140" cy="5"/>
-            </a:xfrm>
-            <a:prstGeom prst="bentConnector2">
-              <a:avLst/>
-            </a:prstGeom>
-          </p:spPr>
-          <p:style>
-            <a:lnRef idx="1">
-              <a:schemeClr val="dk1"/>
-            </a:lnRef>
-            <a:fillRef idx="0">
-              <a:schemeClr val="dk1"/>
-            </a:fillRef>
-            <a:effectRef idx="0">
-              <a:schemeClr val="dk1"/>
-            </a:effectRef>
-            <a:fontRef idx="minor">
-              <a:schemeClr val="tx1"/>
-            </a:fontRef>
-          </p:style>
-        </p:cxnSp>
-        <p:cxnSp>
-          <p:nvCxnSpPr>
-            <p:cNvPr id="107" name="肘形连接符 106"/>
-            <p:cNvCxnSpPr>
-              <a:stCxn id="49" idx="2"/>
-            </p:cNvCxnSpPr>
-            <p:nvPr/>
-          </p:nvCxnSpPr>
-          <p:spPr>
-            <a:xfrm rot="5400000">
-              <a:off x="12892" y="6698"/>
-              <a:ext cx="1013" cy="6270"/>
-            </a:xfrm>
-            <a:prstGeom prst="bentConnector2">
-              <a:avLst/>
-            </a:prstGeom>
-          </p:spPr>
-          <p:style>
-            <a:lnRef idx="1">
-              <a:schemeClr val="dk1"/>
-            </a:lnRef>
-            <a:fillRef idx="0">
-              <a:schemeClr val="dk1"/>
-            </a:fillRef>
-            <a:effectRef idx="0">
-              <a:schemeClr val="dk1"/>
-            </a:effectRef>
-            <a:fontRef idx="minor">
-              <a:schemeClr val="tx1"/>
-            </a:fontRef>
-          </p:style>
-        </p:cxnSp>
-        <p:cxnSp>
-          <p:nvCxnSpPr>
-            <p:cNvPr id="108" name="肘形连接符 107"/>
-            <p:cNvCxnSpPr/>
-            <p:nvPr/>
-          </p:nvCxnSpPr>
-          <p:spPr>
-            <a:xfrm rot="16200000">
-              <a:off x="8151" y="8212"/>
-              <a:ext cx="4240" cy="5"/>
-            </a:xfrm>
-            <a:prstGeom prst="bentConnector2">
-              <a:avLst/>
-            </a:prstGeom>
-          </p:spPr>
-          <p:style>
-            <a:lnRef idx="1">
-              <a:schemeClr val="dk1"/>
-            </a:lnRef>
-            <a:fillRef idx="0">
-              <a:schemeClr val="dk1"/>
-            </a:fillRef>
-            <a:effectRef idx="0">
-              <a:schemeClr val="dk1"/>
-            </a:effectRef>
-            <a:fontRef idx="minor">
-              <a:schemeClr val="tx1"/>
-            </a:fontRef>
-          </p:style>
-        </p:cxnSp>
-        <p:sp>
-          <p:nvSpPr>
-            <p:cNvPr id="109" name="文本框 108"/>
-            <p:cNvSpPr txBox="1"/>
-            <p:nvPr/>
-          </p:nvSpPr>
-          <p:spPr>
-            <a:xfrm>
-              <a:off x="14326" y="6607"/>
-              <a:ext cx="548" cy="580"/>
-            </a:xfrm>
-            <a:prstGeom prst="rect">
-              <a:avLst/>
-            </a:prstGeom>
-            <a:noFill/>
-          </p:spPr>
-          <p:txBody>
-            <a:bodyPr wrap="none" rtlCol="0">
-              <a:spAutoFit/>
-            </a:bodyPr>
-            <a:p>
-              <a:r>
-                <a:rPr lang="en-US" altLang="zh-CN"/>
-                <a:t>N</a:t>
-              </a:r>
-              <a:endParaRPr lang="en-US" altLang="zh-CN"/>
-            </a:p>
-          </p:txBody>
-        </p:sp>
-        <p:sp>
-          <p:nvSpPr>
-            <p:cNvPr id="110" name="文本框 109"/>
-            <p:cNvSpPr txBox="1"/>
-            <p:nvPr/>
-          </p:nvSpPr>
-          <p:spPr>
-            <a:xfrm>
-              <a:off x="18088" y="6128"/>
-              <a:ext cx="548" cy="580"/>
-            </a:xfrm>
-            <a:prstGeom prst="rect">
-              <a:avLst/>
-            </a:prstGeom>
-            <a:noFill/>
-          </p:spPr>
-          <p:txBody>
-            <a:bodyPr wrap="none" rtlCol="0">
-              <a:spAutoFit/>
-            </a:bodyPr>
-            <a:p>
-              <a:r>
-                <a:rPr lang="en-US" altLang="zh-CN"/>
-                <a:t>N</a:t>
-              </a:r>
-              <a:endParaRPr lang="en-US" altLang="zh-CN"/>
-            </a:p>
-          </p:txBody>
-        </p:sp>
-        <p:sp>
-          <p:nvSpPr>
-            <p:cNvPr id="111" name="文本框 110"/>
-            <p:cNvSpPr txBox="1"/>
-            <p:nvPr/>
-          </p:nvSpPr>
-          <p:spPr>
-            <a:xfrm>
-              <a:off x="2768" y="6548"/>
-              <a:ext cx="528" cy="580"/>
-            </a:xfrm>
-            <a:prstGeom prst="rect">
-              <a:avLst/>
-            </a:prstGeom>
-            <a:noFill/>
-          </p:spPr>
-          <p:txBody>
-            <a:bodyPr wrap="none" rtlCol="0">
-              <a:spAutoFit/>
-            </a:bodyPr>
-            <a:p>
-              <a:r>
-                <a:rPr lang="en-US" altLang="zh-CN"/>
-                <a:t>Y</a:t>
-              </a:r>
-              <a:endParaRPr lang="en-US" altLang="zh-CN"/>
-            </a:p>
-          </p:txBody>
-        </p:sp>
-        <p:sp>
-          <p:nvSpPr>
-            <p:cNvPr id="112" name="文本框 111"/>
-            <p:cNvSpPr txBox="1"/>
-            <p:nvPr/>
-          </p:nvSpPr>
-          <p:spPr>
-            <a:xfrm>
-              <a:off x="12791" y="6143"/>
-              <a:ext cx="528" cy="580"/>
-            </a:xfrm>
-            <a:prstGeom prst="rect">
-              <a:avLst/>
-            </a:prstGeom>
-            <a:noFill/>
-          </p:spPr>
-          <p:txBody>
-            <a:bodyPr wrap="none" rtlCol="0">
-              <a:spAutoFit/>
-            </a:bodyPr>
-            <a:p>
-              <a:r>
-                <a:rPr lang="en-US" altLang="zh-CN"/>
-                <a:t>Y</a:t>
-              </a:r>
-              <a:endParaRPr lang="en-US" altLang="zh-CN"/>
-            </a:p>
-          </p:txBody>
-        </p:sp>
-        <p:sp>
-          <p:nvSpPr>
-            <p:cNvPr id="113" name="文本框 112"/>
-            <p:cNvSpPr txBox="1"/>
-            <p:nvPr/>
-          </p:nvSpPr>
-          <p:spPr>
-            <a:xfrm>
-              <a:off x="12838" y="7452"/>
-              <a:ext cx="528" cy="580"/>
-            </a:xfrm>
-            <a:prstGeom prst="rect">
-              <a:avLst/>
-            </a:prstGeom>
-            <a:noFill/>
-          </p:spPr>
-          <p:txBody>
-            <a:bodyPr wrap="none" rtlCol="0">
-              <a:spAutoFit/>
-            </a:bodyPr>
-            <a:p>
-              <a:r>
-                <a:rPr lang="en-US" altLang="zh-CN"/>
-                <a:t>Y</a:t>
-              </a:r>
-              <a:endParaRPr lang="en-US" altLang="zh-CN"/>
-            </a:p>
-          </p:txBody>
-        </p:sp>
-        <p:sp>
-          <p:nvSpPr>
-            <p:cNvPr id="114" name="文本框 113"/>
-            <p:cNvSpPr txBox="1"/>
-            <p:nvPr/>
-          </p:nvSpPr>
-          <p:spPr>
-            <a:xfrm>
-              <a:off x="16474" y="7017"/>
-              <a:ext cx="528" cy="580"/>
-            </a:xfrm>
-            <a:prstGeom prst="rect">
-              <a:avLst/>
-            </a:prstGeom>
-            <a:noFill/>
-          </p:spPr>
-          <p:txBody>
-            <a:bodyPr wrap="none" rtlCol="0">
-              <a:spAutoFit/>
-            </a:bodyPr>
-            <a:p>
-              <a:r>
-                <a:rPr lang="en-US" altLang="zh-CN"/>
-                <a:t>Y</a:t>
-              </a:r>
-              <a:endParaRPr lang="en-US" altLang="zh-CN"/>
-            </a:p>
-          </p:txBody>
-        </p:sp>
-      </p:grpSp>
+          <a:prstGeom prst="rect">
+            <a:avLst/>
+          </a:prstGeom>
+        </p:spPr>
+      </p:pic>
     </p:spTree>
     <p:custDataLst>
-      <p:tags r:id="rId1"/>
+      <p:tags r:id="rId3"/>
     </p:custDataLst>
   </p:cSld>
   <p:clrMapOvr>
@@ -11319,13 +5659,26 @@
 
 <file path=ppt/tags/tag63.xml><?xml version="1.0" encoding="utf-8"?>
 <p:tagLst xmlns:p="http://schemas.openxmlformats.org/presentationml/2006/main">
+  <p:tag name="REFSHAPE" val="420314628"/>
+</p:tagLst>
+</file>
+
+<file path=ppt/tags/tag64.xml><?xml version="1.0" encoding="utf-8"?>
+<p:tagLst xmlns:p="http://schemas.openxmlformats.org/presentationml/2006/main">
   <p:tag name="KSO_WM_BEAUTIFY_FLAG" val="#wm#"/>
   <p:tag name="KSO_WM_TEMPLATE_CATEGORY" val="custom"/>
   <p:tag name="KSO_WM_TEMPLATE_INDEX" val="20187308"/>
 </p:tagLst>
 </file>
 
-<file path=ppt/tags/tag64.xml><?xml version="1.0" encoding="utf-8"?>
+<file path=ppt/tags/tag65.xml><?xml version="1.0" encoding="utf-8"?>
+<p:tagLst xmlns:p="http://schemas.openxmlformats.org/presentationml/2006/main">
+  <p:tag name="REFSHAPE" val="370363052"/>
+  <p:tag name="KSO_WM_UNIT_PLACING_PICTURE_USER_VIEWPORT" val="{&quot;height&quot;:9326,&quot;width&quot;:15840}"/>
+</p:tagLst>
+</file>
+
+<file path=ppt/tags/tag66.xml><?xml version="1.0" encoding="utf-8"?>
 <p:tagLst xmlns:p="http://schemas.openxmlformats.org/presentationml/2006/main">
   <p:tag name="KSO_WM_BEAUTIFY_FLAG" val="#wm#"/>
   <p:tag name="KSO_WM_TEMPLATE_CATEGORY" val="custom"/>
